--- a/doc/���ӷ�Ʊ����ϵͳ.pptx
+++ b/doc/���ӷ�Ʊ����ϵͳ.pptx
@@ -5871,9 +5871,164 @@
   <p:timing>
     <p:tnLst>
       <p:par>
-        <p:cTn id="1" dur="indefinite" restart="never" nodeType="tmRoot"/>
+        <p:cTn id="1" dur="indefinite" restart="never" nodeType="tmRoot">
+          <p:childTnLst>
+            <p:seq concurrent="1" nextAc="seek">
+              <p:cTn id="2" dur="indefinite" nodeType="mainSeq">
+                <p:childTnLst>
+                  <p:par>
+                    <p:cTn id="3" fill="hold">
+                      <p:stCondLst>
+                        <p:cond delay="indefinite"/>
+                        <p:cond evt="onBegin" delay="0">
+                          <p:tn val="2"/>
+                        </p:cond>
+                      </p:stCondLst>
+                      <p:childTnLst>
+                        <p:par>
+                          <p:cTn id="4" fill="hold">
+                            <p:stCondLst>
+                              <p:cond delay="0"/>
+                            </p:stCondLst>
+                            <p:childTnLst>
+                              <p:par>
+                                <p:cTn id="5" presetID="2" presetClass="entr" presetSubtype="3" fill="hold" grpId="0" nodeType="afterEffect">
+                                  <p:stCondLst>
+                                    <p:cond delay="0"/>
+                                  </p:stCondLst>
+                                  <p:childTnLst>
+                                    <p:set>
+                                      <p:cBhvr>
+                                        <p:cTn id="6" dur="1" fill="hold">
+                                          <p:stCondLst>
+                                            <p:cond delay="0"/>
+                                          </p:stCondLst>
+                                        </p:cTn>
+                                        <p:tgtEl>
+                                          <p:spTgt spid="5"/>
+                                        </p:tgtEl>
+                                        <p:attrNameLst>
+                                          <p:attrName>style.visibility</p:attrName>
+                                        </p:attrNameLst>
+                                      </p:cBhvr>
+                                      <p:to>
+                                        <p:strVal val="visible"/>
+                                      </p:to>
+                                    </p:set>
+                                    <p:anim calcmode="lin" valueType="num">
+                                      <p:cBhvr additive="base">
+                                        <p:cTn id="7" dur="1000" fill="hold"/>
+                                        <p:tgtEl>
+                                          <p:spTgt spid="5"/>
+                                        </p:tgtEl>
+                                        <p:attrNameLst>
+                                          <p:attrName>ppt_x</p:attrName>
+                                        </p:attrNameLst>
+                                      </p:cBhvr>
+                                      <p:tavLst>
+                                        <p:tav tm="0">
+                                          <p:val>
+                                            <p:strVal val="1+#ppt_w/2"/>
+                                          </p:val>
+                                        </p:tav>
+                                        <p:tav tm="100000">
+                                          <p:val>
+                                            <p:strVal val="#ppt_x"/>
+                                          </p:val>
+                                        </p:tav>
+                                      </p:tavLst>
+                                    </p:anim>
+                                    <p:anim calcmode="lin" valueType="num">
+                                      <p:cBhvr additive="base">
+                                        <p:cTn id="8" dur="1000" fill="hold"/>
+                                        <p:tgtEl>
+                                          <p:spTgt spid="5"/>
+                                        </p:tgtEl>
+                                        <p:attrNameLst>
+                                          <p:attrName>ppt_y</p:attrName>
+                                        </p:attrNameLst>
+                                      </p:cBhvr>
+                                      <p:tavLst>
+                                        <p:tav tm="0">
+                                          <p:val>
+                                            <p:strVal val="0-#ppt_h/2"/>
+                                          </p:val>
+                                        </p:tav>
+                                        <p:tav tm="100000">
+                                          <p:val>
+                                            <p:strVal val="#ppt_y"/>
+                                          </p:val>
+                                        </p:tav>
+                                      </p:tavLst>
+                                    </p:anim>
+                                  </p:childTnLst>
+                                </p:cTn>
+                              </p:par>
+                              <p:par>
+                                <p:cTn id="9" presetID="6" presetClass="entr" presetSubtype="16" fill="hold" nodeType="withEffect">
+                                  <p:stCondLst>
+                                    <p:cond delay="0"/>
+                                  </p:stCondLst>
+                                  <p:childTnLst>
+                                    <p:set>
+                                      <p:cBhvr>
+                                        <p:cTn id="10" dur="1" fill="hold">
+                                          <p:stCondLst>
+                                            <p:cond delay="0"/>
+                                          </p:stCondLst>
+                                        </p:cTn>
+                                        <p:tgtEl>
+                                          <p:spTgt spid="59394"/>
+                                        </p:tgtEl>
+                                        <p:attrNameLst>
+                                          <p:attrName>style.visibility</p:attrName>
+                                        </p:attrNameLst>
+                                      </p:cBhvr>
+                                      <p:to>
+                                        <p:strVal val="visible"/>
+                                      </p:to>
+                                    </p:set>
+                                    <p:animEffect transition="in" filter="circle(in)">
+                                      <p:cBhvr>
+                                        <p:cTn id="11" dur="1250"/>
+                                        <p:tgtEl>
+                                          <p:spTgt spid="59394"/>
+                                        </p:tgtEl>
+                                      </p:cBhvr>
+                                    </p:animEffect>
+                                  </p:childTnLst>
+                                </p:cTn>
+                              </p:par>
+                            </p:childTnLst>
+                          </p:cTn>
+                        </p:par>
+                      </p:childTnLst>
+                    </p:cTn>
+                  </p:par>
+                </p:childTnLst>
+              </p:cTn>
+              <p:prevCondLst>
+                <p:cond evt="onPrev" delay="0">
+                  <p:tgtEl>
+                    <p:sldTgt/>
+                  </p:tgtEl>
+                </p:cond>
+              </p:prevCondLst>
+              <p:nextCondLst>
+                <p:cond evt="onNext" delay="0">
+                  <p:tgtEl>
+                    <p:sldTgt/>
+                  </p:tgtEl>
+                </p:cond>
+              </p:nextCondLst>
+            </p:seq>
+          </p:childTnLst>
+        </p:cTn>
       </p:par>
     </p:tnLst>
+    <p:bldLst>
+      <p:bldP spid="5" grpId="0"/>
+    </p:bldLst>
   </p:timing>
 </p:sld>
 </file>
@@ -5895,80 +6050,6 @@
           <a:chExt cx="0" cy="0"/>
         </a:xfrm>
       </p:grpSpPr>
-      <p:pic>
-        <p:nvPicPr>
-          <p:cNvPr id="60422" name="Picture 6"/>
-          <p:cNvPicPr>
-            <a:picLocks noChangeAspect="1" noChangeArrowheads="1"/>
-          </p:cNvPicPr>
-          <p:nvPr/>
-        </p:nvPicPr>
-        <p:blipFill>
-          <a:blip r:embed="rId2">
-            <a:clrChange>
-              <a:clrFrom>
-                <a:srgbClr val="FFFFFF"/>
-              </a:clrFrom>
-              <a:clrTo>
-                <a:srgbClr val="FFFFFF">
-                  <a:alpha val="0"/>
-                </a:srgbClr>
-              </a:clrTo>
-            </a:clrChange>
-            <a:extLst>
-              <a:ext uri="{28A0092B-C50C-407E-A947-70E740481C1C}">
-                <a14:useLocalDpi xmlns:a14="http://schemas.microsoft.com/office/drawing/2010/main" val="0"/>
-              </a:ext>
-            </a:extLst>
-          </a:blip>
-          <a:srcRect/>
-          <a:stretch>
-            <a:fillRect/>
-          </a:stretch>
-        </p:blipFill>
-        <p:spPr bwMode="auto">
-          <a:xfrm>
-            <a:off x="2250751" y="1472250"/>
-            <a:ext cx="3810000" cy="3810000"/>
-          </a:xfrm>
-          <a:prstGeom prst="rect">
-            <a:avLst/>
-          </a:prstGeom>
-          <a:noFill/>
-          <a:ln>
-            <a:noFill/>
-          </a:ln>
-          <a:effectLst/>
-          <a:extLst>
-            <a:ext uri="{909E8E84-426E-40DD-AFC4-6F175D3DCCD1}">
-              <a14:hiddenFill xmlns:a14="http://schemas.microsoft.com/office/drawing/2010/main">
-                <a:solidFill>
-                  <a:schemeClr val="accent1"/>
-                </a:solidFill>
-              </a14:hiddenFill>
-            </a:ext>
-            <a:ext uri="{91240B29-F687-4F45-9708-019B960494DF}">
-              <a14:hiddenLine xmlns:a14="http://schemas.microsoft.com/office/drawing/2010/main" w="9525">
-                <a:solidFill>
-                  <a:schemeClr val="tx1"/>
-                </a:solidFill>
-                <a:miter lim="800000"/>
-                <a:headEnd/>
-                <a:tailEnd/>
-              </a14:hiddenLine>
-            </a:ext>
-            <a:ext uri="{AF507438-7753-43E0-B8FC-AC1667EBCBE1}">
-              <a14:hiddenEffects xmlns:a14="http://schemas.microsoft.com/office/drawing/2010/main">
-                <a:effectLst>
-                  <a:outerShdw dist="35921" dir="2700000" algn="ctr" rotWithShape="0">
-                    <a:schemeClr val="bg2"/>
-                  </a:outerShdw>
-                </a:effectLst>
-              </a14:hiddenEffects>
-            </a:ext>
-          </a:extLst>
-        </p:spPr>
-      </p:pic>
       <p:sp>
         <p:nvSpPr>
           <p:cNvPr id="5" name="矩形 4"/>
@@ -6184,131 +6265,220 @@
           </a:p>
         </p:txBody>
       </p:sp>
-      <p:pic>
-        <p:nvPicPr>
-          <p:cNvPr id="60420" name="Picture 4" descr="C:\Users\shuai\Desktop\1254215914175.jpg"/>
-          <p:cNvPicPr>
-            <a:picLocks noChangeAspect="1" noChangeArrowheads="1"/>
-          </p:cNvPicPr>
+      <p:grpSp>
+        <p:nvGrpSpPr>
+          <p:cNvPr id="2" name="组合 1"/>
+          <p:cNvGrpSpPr/>
           <p:nvPr/>
-        </p:nvPicPr>
-        <p:blipFill>
-          <a:blip r:embed="rId3" cstate="print">
-            <a:clrChange>
-              <a:clrFrom>
-                <a:srgbClr val="FFFFFF"/>
-              </a:clrFrom>
-              <a:clrTo>
-                <a:srgbClr val="FFFFFF">
-                  <a:alpha val="0"/>
-                </a:srgbClr>
-              </a:clrTo>
-            </a:clrChange>
+        </p:nvGrpSpPr>
+        <p:grpSpPr>
+          <a:xfrm>
+            <a:off x="83279" y="1472250"/>
+            <a:ext cx="5977472" cy="4573756"/>
+            <a:chOff x="83279" y="1472250"/>
+            <a:chExt cx="5977472" cy="4573756"/>
+          </a:xfrm>
+        </p:grpSpPr>
+        <p:pic>
+          <p:nvPicPr>
+            <p:cNvPr id="60422" name="Picture 6"/>
+            <p:cNvPicPr>
+              <a:picLocks noChangeAspect="1" noChangeArrowheads="1"/>
+            </p:cNvPicPr>
+            <p:nvPr/>
+          </p:nvPicPr>
+          <p:blipFill>
+            <a:blip r:embed="rId2">
+              <a:clrChange>
+                <a:clrFrom>
+                  <a:srgbClr val="FFFFFF"/>
+                </a:clrFrom>
+                <a:clrTo>
+                  <a:srgbClr val="FFFFFF">
+                    <a:alpha val="0"/>
+                  </a:srgbClr>
+                </a:clrTo>
+              </a:clrChange>
+              <a:extLst>
+                <a:ext uri="{28A0092B-C50C-407E-A947-70E740481C1C}">
+                  <a14:useLocalDpi xmlns:a14="http://schemas.microsoft.com/office/drawing/2010/main" val="0"/>
+                </a:ext>
+              </a:extLst>
+            </a:blip>
+            <a:srcRect/>
+            <a:stretch>
+              <a:fillRect/>
+            </a:stretch>
+          </p:blipFill>
+          <p:spPr bwMode="auto">
+            <a:xfrm>
+              <a:off x="2250751" y="1472250"/>
+              <a:ext cx="3810000" cy="3810000"/>
+            </a:xfrm>
+            <a:prstGeom prst="rect">
+              <a:avLst/>
+            </a:prstGeom>
+            <a:noFill/>
+            <a:ln>
+              <a:noFill/>
+            </a:ln>
+            <a:effectLst/>
             <a:extLst>
-              <a:ext uri="{28A0092B-C50C-407E-A947-70E740481C1C}">
-                <a14:useLocalDpi xmlns:a14="http://schemas.microsoft.com/office/drawing/2010/main" val="0"/>
+              <a:ext uri="{909E8E84-426E-40DD-AFC4-6F175D3DCCD1}">
+                <a14:hiddenFill xmlns:a14="http://schemas.microsoft.com/office/drawing/2010/main">
+                  <a:solidFill>
+                    <a:schemeClr val="accent1"/>
+                  </a:solidFill>
+                </a14:hiddenFill>
+              </a:ext>
+              <a:ext uri="{91240B29-F687-4F45-9708-019B960494DF}">
+                <a14:hiddenLine xmlns:a14="http://schemas.microsoft.com/office/drawing/2010/main" w="9525">
+                  <a:solidFill>
+                    <a:schemeClr val="tx1"/>
+                  </a:solidFill>
+                  <a:miter lim="800000"/>
+                  <a:headEnd/>
+                  <a:tailEnd/>
+                </a14:hiddenLine>
+              </a:ext>
+              <a:ext uri="{AF507438-7753-43E0-B8FC-AC1667EBCBE1}">
+                <a14:hiddenEffects xmlns:a14="http://schemas.microsoft.com/office/drawing/2010/main">
+                  <a:effectLst>
+                    <a:outerShdw dist="35921" dir="2700000" algn="ctr" rotWithShape="0">
+                      <a:schemeClr val="bg2"/>
+                    </a:outerShdw>
+                  </a:effectLst>
+                </a14:hiddenEffects>
               </a:ext>
             </a:extLst>
-          </a:blip>
-          <a:srcRect/>
-          <a:stretch>
-            <a:fillRect/>
-          </a:stretch>
-        </p:blipFill>
-        <p:spPr bwMode="auto">
-          <a:xfrm>
-            <a:off x="3021472" y="1673634"/>
-            <a:ext cx="773631" cy="1580786"/>
-          </a:xfrm>
-          <a:prstGeom prst="rect">
-            <a:avLst/>
-          </a:prstGeom>
-          <a:noFill/>
-          <a:extLst>
-            <a:ext uri="{909E8E84-426E-40DD-AFC4-6F175D3DCCD1}">
-              <a14:hiddenFill xmlns:a14="http://schemas.microsoft.com/office/drawing/2010/main">
-                <a:solidFill>
+          </p:spPr>
+        </p:pic>
+        <p:pic>
+          <p:nvPicPr>
+            <p:cNvPr id="60420" name="Picture 4" descr="C:\Users\shuai\Desktop\1254215914175.jpg"/>
+            <p:cNvPicPr>
+              <a:picLocks noChangeAspect="1" noChangeArrowheads="1"/>
+            </p:cNvPicPr>
+            <p:nvPr/>
+          </p:nvPicPr>
+          <p:blipFill>
+            <a:blip r:embed="rId3" cstate="print">
+              <a:clrChange>
+                <a:clrFrom>
                   <a:srgbClr val="FFFFFF"/>
-                </a:solidFill>
-              </a14:hiddenFill>
-            </a:ext>
-          </a:extLst>
-        </p:spPr>
-      </p:pic>
-      <p:pic>
-        <p:nvPicPr>
-          <p:cNvPr id="60421" name="Picture 5"/>
-          <p:cNvPicPr>
-            <a:picLocks noChangeAspect="1" noChangeArrowheads="1"/>
-          </p:cNvPicPr>
-          <p:nvPr/>
-        </p:nvPicPr>
-        <p:blipFill>
-          <a:blip r:embed="rId4">
-            <a:clrChange>
-              <a:clrFrom>
-                <a:srgbClr val="FFFFFF"/>
-              </a:clrFrom>
-              <a:clrTo>
-                <a:srgbClr val="FFFFFF">
-                  <a:alpha val="0"/>
-                </a:srgbClr>
-              </a:clrTo>
-            </a:clrChange>
+                </a:clrFrom>
+                <a:clrTo>
+                  <a:srgbClr val="FFFFFF">
+                    <a:alpha val="0"/>
+                  </a:srgbClr>
+                </a:clrTo>
+              </a:clrChange>
+              <a:extLst>
+                <a:ext uri="{28A0092B-C50C-407E-A947-70E740481C1C}">
+                  <a14:useLocalDpi xmlns:a14="http://schemas.microsoft.com/office/drawing/2010/main" val="0"/>
+                </a:ext>
+              </a:extLst>
+            </a:blip>
+            <a:srcRect/>
+            <a:stretch>
+              <a:fillRect/>
+            </a:stretch>
+          </p:blipFill>
+          <p:spPr bwMode="auto">
+            <a:xfrm>
+              <a:off x="3021472" y="1673634"/>
+              <a:ext cx="773631" cy="1580786"/>
+            </a:xfrm>
+            <a:prstGeom prst="rect">
+              <a:avLst/>
+            </a:prstGeom>
+            <a:noFill/>
             <a:extLst>
-              <a:ext uri="{28A0092B-C50C-407E-A947-70E740481C1C}">
-                <a14:useLocalDpi xmlns:a14="http://schemas.microsoft.com/office/drawing/2010/main" val="0"/>
+              <a:ext uri="{909E8E84-426E-40DD-AFC4-6F175D3DCCD1}">
+                <a14:hiddenFill xmlns:a14="http://schemas.microsoft.com/office/drawing/2010/main">
+                  <a:solidFill>
+                    <a:srgbClr val="FFFFFF"/>
+                  </a:solidFill>
+                </a14:hiddenFill>
               </a:ext>
             </a:extLst>
-          </a:blip>
-          <a:srcRect/>
-          <a:stretch>
-            <a:fillRect/>
-          </a:stretch>
-        </p:blipFill>
-        <p:spPr bwMode="auto">
-          <a:xfrm>
-            <a:off x="83279" y="2720997"/>
-            <a:ext cx="3325009" cy="3325009"/>
-          </a:xfrm>
-          <a:prstGeom prst="rect">
-            <a:avLst/>
-          </a:prstGeom>
-          <a:noFill/>
-          <a:ln>
+          </p:spPr>
+        </p:pic>
+        <p:pic>
+          <p:nvPicPr>
+            <p:cNvPr id="60421" name="Picture 5"/>
+            <p:cNvPicPr>
+              <a:picLocks noChangeAspect="1" noChangeArrowheads="1"/>
+            </p:cNvPicPr>
+            <p:nvPr/>
+          </p:nvPicPr>
+          <p:blipFill>
+            <a:blip r:embed="rId4">
+              <a:clrChange>
+                <a:clrFrom>
+                  <a:srgbClr val="FFFFFF"/>
+                </a:clrFrom>
+                <a:clrTo>
+                  <a:srgbClr val="FFFFFF">
+                    <a:alpha val="0"/>
+                  </a:srgbClr>
+                </a:clrTo>
+              </a:clrChange>
+              <a:extLst>
+                <a:ext uri="{28A0092B-C50C-407E-A947-70E740481C1C}">
+                  <a14:useLocalDpi xmlns:a14="http://schemas.microsoft.com/office/drawing/2010/main" val="0"/>
+                </a:ext>
+              </a:extLst>
+            </a:blip>
+            <a:srcRect/>
+            <a:stretch>
+              <a:fillRect/>
+            </a:stretch>
+          </p:blipFill>
+          <p:spPr bwMode="auto">
+            <a:xfrm>
+              <a:off x="83279" y="2720997"/>
+              <a:ext cx="3325009" cy="3325009"/>
+            </a:xfrm>
+            <a:prstGeom prst="rect">
+              <a:avLst/>
+            </a:prstGeom>
             <a:noFill/>
-          </a:ln>
-          <a:effectLst/>
-          <a:extLst>
-            <a:ext uri="{909E8E84-426E-40DD-AFC4-6F175D3DCCD1}">
-              <a14:hiddenFill xmlns:a14="http://schemas.microsoft.com/office/drawing/2010/main">
-                <a:solidFill>
-                  <a:schemeClr val="accent1"/>
-                </a:solidFill>
-              </a14:hiddenFill>
-            </a:ext>
-            <a:ext uri="{91240B29-F687-4F45-9708-019B960494DF}">
-              <a14:hiddenLine xmlns:a14="http://schemas.microsoft.com/office/drawing/2010/main" w="9525">
-                <a:solidFill>
-                  <a:schemeClr val="tx1"/>
-                </a:solidFill>
-                <a:miter lim="800000"/>
-                <a:headEnd/>
-                <a:tailEnd/>
-              </a14:hiddenLine>
-            </a:ext>
-            <a:ext uri="{AF507438-7753-43E0-B8FC-AC1667EBCBE1}">
-              <a14:hiddenEffects xmlns:a14="http://schemas.microsoft.com/office/drawing/2010/main">
-                <a:effectLst>
-                  <a:outerShdw dist="35921" dir="2700000" algn="ctr" rotWithShape="0">
-                    <a:schemeClr val="bg2"/>
-                  </a:outerShdw>
-                </a:effectLst>
-              </a14:hiddenEffects>
-            </a:ext>
-          </a:extLst>
-        </p:spPr>
-      </p:pic>
+            <a:ln>
+              <a:noFill/>
+            </a:ln>
+            <a:effectLst/>
+            <a:extLst>
+              <a:ext uri="{909E8E84-426E-40DD-AFC4-6F175D3DCCD1}">
+                <a14:hiddenFill xmlns:a14="http://schemas.microsoft.com/office/drawing/2010/main">
+                  <a:solidFill>
+                    <a:schemeClr val="accent1"/>
+                  </a:solidFill>
+                </a14:hiddenFill>
+              </a:ext>
+              <a:ext uri="{91240B29-F687-4F45-9708-019B960494DF}">
+                <a14:hiddenLine xmlns:a14="http://schemas.microsoft.com/office/drawing/2010/main" w="9525">
+                  <a:solidFill>
+                    <a:schemeClr val="tx1"/>
+                  </a:solidFill>
+                  <a:miter lim="800000"/>
+                  <a:headEnd/>
+                  <a:tailEnd/>
+                </a14:hiddenLine>
+              </a:ext>
+              <a:ext uri="{AF507438-7753-43E0-B8FC-AC1667EBCBE1}">
+                <a14:hiddenEffects xmlns:a14="http://schemas.microsoft.com/office/drawing/2010/main">
+                  <a:effectLst>
+                    <a:outerShdw dist="35921" dir="2700000" algn="ctr" rotWithShape="0">
+                      <a:schemeClr val="bg2"/>
+                    </a:outerShdw>
+                  </a:effectLst>
+                </a14:hiddenEffects>
+              </a:ext>
+            </a:extLst>
+          </p:spPr>
+        </p:pic>
+      </p:grpSp>
     </p:spTree>
     <p:extLst>
       <p:ext uri="{BB962C8B-B14F-4D97-AF65-F5344CB8AC3E}">
@@ -6334,9 +6504,172 @@
   <p:timing>
     <p:tnLst>
       <p:par>
-        <p:cTn id="1" dur="indefinite" restart="never" nodeType="tmRoot"/>
+        <p:cTn id="1" dur="indefinite" restart="never" nodeType="tmRoot">
+          <p:childTnLst>
+            <p:seq concurrent="1" nextAc="seek">
+              <p:cTn id="2" dur="indefinite" nodeType="mainSeq">
+                <p:childTnLst>
+                  <p:par>
+                    <p:cTn id="3" fill="hold">
+                      <p:stCondLst>
+                        <p:cond delay="indefinite"/>
+                        <p:cond evt="onBegin" delay="0">
+                          <p:tn val="2"/>
+                        </p:cond>
+                      </p:stCondLst>
+                      <p:childTnLst>
+                        <p:par>
+                          <p:cTn id="4" fill="hold">
+                            <p:stCondLst>
+                              <p:cond delay="0"/>
+                            </p:stCondLst>
+                            <p:childTnLst>
+                              <p:par>
+                                <p:cTn id="5" presetID="42" presetClass="entr" presetSubtype="0" fill="hold" grpId="0" nodeType="afterEffect">
+                                  <p:stCondLst>
+                                    <p:cond delay="0"/>
+                                  </p:stCondLst>
+                                  <p:childTnLst>
+                                    <p:set>
+                                      <p:cBhvr>
+                                        <p:cTn id="6" dur="1" fill="hold">
+                                          <p:stCondLst>
+                                            <p:cond delay="0"/>
+                                          </p:stCondLst>
+                                        </p:cTn>
+                                        <p:tgtEl>
+                                          <p:spTgt spid="5"/>
+                                        </p:tgtEl>
+                                        <p:attrNameLst>
+                                          <p:attrName>style.visibility</p:attrName>
+                                        </p:attrNameLst>
+                                      </p:cBhvr>
+                                      <p:to>
+                                        <p:strVal val="visible"/>
+                                      </p:to>
+                                    </p:set>
+                                    <p:animEffect transition="in" filter="fade">
+                                      <p:cBhvr>
+                                        <p:cTn id="7" dur="1000"/>
+                                        <p:tgtEl>
+                                          <p:spTgt spid="5"/>
+                                        </p:tgtEl>
+                                      </p:cBhvr>
+                                    </p:animEffect>
+                                    <p:anim calcmode="lin" valueType="num">
+                                      <p:cBhvr>
+                                        <p:cTn id="8" dur="1000" fill="hold"/>
+                                        <p:tgtEl>
+                                          <p:spTgt spid="5"/>
+                                        </p:tgtEl>
+                                        <p:attrNameLst>
+                                          <p:attrName>ppt_x</p:attrName>
+                                        </p:attrNameLst>
+                                      </p:cBhvr>
+                                      <p:tavLst>
+                                        <p:tav tm="0">
+                                          <p:val>
+                                            <p:strVal val="#ppt_x"/>
+                                          </p:val>
+                                        </p:tav>
+                                        <p:tav tm="100000">
+                                          <p:val>
+                                            <p:strVal val="#ppt_x"/>
+                                          </p:val>
+                                        </p:tav>
+                                      </p:tavLst>
+                                    </p:anim>
+                                    <p:anim calcmode="lin" valueType="num">
+                                      <p:cBhvr>
+                                        <p:cTn id="9" dur="1000" fill="hold"/>
+                                        <p:tgtEl>
+                                          <p:spTgt spid="5"/>
+                                        </p:tgtEl>
+                                        <p:attrNameLst>
+                                          <p:attrName>ppt_y</p:attrName>
+                                        </p:attrNameLst>
+                                      </p:cBhvr>
+                                      <p:tavLst>
+                                        <p:tav tm="0">
+                                          <p:val>
+                                            <p:strVal val="#ppt_y+.1"/>
+                                          </p:val>
+                                        </p:tav>
+                                        <p:tav tm="100000">
+                                          <p:val>
+                                            <p:strVal val="#ppt_y"/>
+                                          </p:val>
+                                        </p:tav>
+                                      </p:tavLst>
+                                    </p:anim>
+                                  </p:childTnLst>
+                                </p:cTn>
+                              </p:par>
+                              <p:par>
+                                <p:cTn id="10" presetID="22" presetClass="entr" presetSubtype="4" fill="hold" nodeType="withEffect">
+                                  <p:stCondLst>
+                                    <p:cond delay="0"/>
+                                  </p:stCondLst>
+                                  <p:childTnLst>
+                                    <p:set>
+                                      <p:cBhvr>
+                                        <p:cTn id="11" dur="1" fill="hold">
+                                          <p:stCondLst>
+                                            <p:cond delay="0"/>
+                                          </p:stCondLst>
+                                        </p:cTn>
+                                        <p:tgtEl>
+                                          <p:spTgt spid="2"/>
+                                        </p:tgtEl>
+                                        <p:attrNameLst>
+                                          <p:attrName>style.visibility</p:attrName>
+                                        </p:attrNameLst>
+                                      </p:cBhvr>
+                                      <p:to>
+                                        <p:strVal val="visible"/>
+                                      </p:to>
+                                    </p:set>
+                                    <p:animEffect transition="in" filter="wipe(down)">
+                                      <p:cBhvr>
+                                        <p:cTn id="12" dur="1000"/>
+                                        <p:tgtEl>
+                                          <p:spTgt spid="2"/>
+                                        </p:tgtEl>
+                                      </p:cBhvr>
+                                    </p:animEffect>
+                                  </p:childTnLst>
+                                </p:cTn>
+                              </p:par>
+                            </p:childTnLst>
+                          </p:cTn>
+                        </p:par>
+                      </p:childTnLst>
+                    </p:cTn>
+                  </p:par>
+                </p:childTnLst>
+              </p:cTn>
+              <p:prevCondLst>
+                <p:cond evt="onPrev" delay="0">
+                  <p:tgtEl>
+                    <p:sldTgt/>
+                  </p:tgtEl>
+                </p:cond>
+              </p:prevCondLst>
+              <p:nextCondLst>
+                <p:cond evt="onNext" delay="0">
+                  <p:tgtEl>
+                    <p:sldTgt/>
+                  </p:tgtEl>
+                </p:cond>
+              </p:nextCondLst>
+            </p:seq>
+          </p:childTnLst>
+        </p:cTn>
       </p:par>
     </p:tnLst>
+    <p:bldLst>
+      <p:bldP spid="5" grpId="0"/>
+    </p:bldLst>
   </p:timing>
 </p:sld>
 </file>
@@ -6583,9 +6916,126 @@
   <p:timing>
     <p:tnLst>
       <p:par>
-        <p:cTn id="1" dur="indefinite" restart="never" nodeType="tmRoot"/>
+        <p:cTn id="1" dur="indefinite" restart="never" nodeType="tmRoot">
+          <p:childTnLst>
+            <p:seq concurrent="1" nextAc="seek">
+              <p:cTn id="2" dur="indefinite" nodeType="mainSeq">
+                <p:childTnLst>
+                  <p:par>
+                    <p:cTn id="3" fill="hold">
+                      <p:stCondLst>
+                        <p:cond delay="indefinite"/>
+                        <p:cond evt="onBegin" delay="0">
+                          <p:tn val="2"/>
+                        </p:cond>
+                      </p:stCondLst>
+                      <p:childTnLst>
+                        <p:par>
+                          <p:cTn id="4" fill="hold">
+                            <p:stCondLst>
+                              <p:cond delay="0"/>
+                            </p:stCondLst>
+                            <p:childTnLst>
+                              <p:par>
+                                <p:cTn id="5" presetID="16" presetClass="entr" presetSubtype="21" fill="hold" grpId="0" nodeType="afterEffect">
+                                  <p:stCondLst>
+                                    <p:cond delay="0"/>
+                                  </p:stCondLst>
+                                  <p:childTnLst>
+                                    <p:set>
+                                      <p:cBhvr>
+                                        <p:cTn id="6" dur="1" fill="hold">
+                                          <p:stCondLst>
+                                            <p:cond delay="0"/>
+                                          </p:stCondLst>
+                                        </p:cTn>
+                                        <p:tgtEl>
+                                          <p:spTgt spid="5"/>
+                                        </p:tgtEl>
+                                        <p:attrNameLst>
+                                          <p:attrName>style.visibility</p:attrName>
+                                        </p:attrNameLst>
+                                      </p:cBhvr>
+                                      <p:to>
+                                        <p:strVal val="visible"/>
+                                      </p:to>
+                                    </p:set>
+                                    <p:animEffect transition="in" filter="barn(inVertical)">
+                                      <p:cBhvr>
+                                        <p:cTn id="7" dur="500"/>
+                                        <p:tgtEl>
+                                          <p:spTgt spid="5"/>
+                                        </p:tgtEl>
+                                      </p:cBhvr>
+                                    </p:animEffect>
+                                  </p:childTnLst>
+                                </p:cTn>
+                              </p:par>
+                              <p:par>
+                                <p:cTn id="8" presetID="6" presetClass="entr" presetSubtype="16" fill="hold" nodeType="withEffect">
+                                  <p:stCondLst>
+                                    <p:cond delay="0"/>
+                                  </p:stCondLst>
+                                  <p:childTnLst>
+                                    <p:set>
+                                      <p:cBhvr>
+                                        <p:cTn id="9" dur="1" fill="hold">
+                                          <p:stCondLst>
+                                            <p:cond delay="0"/>
+                                          </p:stCondLst>
+                                        </p:cTn>
+                                        <p:tgtEl>
+                                          <p:spTgt spid="61443"/>
+                                        </p:tgtEl>
+                                        <p:attrNameLst>
+                                          <p:attrName>style.visibility</p:attrName>
+                                        </p:attrNameLst>
+                                      </p:cBhvr>
+                                      <p:to>
+                                        <p:strVal val="visible"/>
+                                      </p:to>
+                                    </p:set>
+                                    <p:animEffect transition="in" filter="circle(in)">
+                                      <p:cBhvr>
+                                        <p:cTn id="10" dur="2000"/>
+                                        <p:tgtEl>
+                                          <p:spTgt spid="61443"/>
+                                        </p:tgtEl>
+                                      </p:cBhvr>
+                                    </p:animEffect>
+                                  </p:childTnLst>
+                                </p:cTn>
+                              </p:par>
+                            </p:childTnLst>
+                          </p:cTn>
+                        </p:par>
+                      </p:childTnLst>
+                    </p:cTn>
+                  </p:par>
+                </p:childTnLst>
+              </p:cTn>
+              <p:prevCondLst>
+                <p:cond evt="onPrev" delay="0">
+                  <p:tgtEl>
+                    <p:sldTgt/>
+                  </p:tgtEl>
+                </p:cond>
+              </p:prevCondLst>
+              <p:nextCondLst>
+                <p:cond evt="onNext" delay="0">
+                  <p:tgtEl>
+                    <p:sldTgt/>
+                  </p:tgtEl>
+                </p:cond>
+              </p:nextCondLst>
+            </p:seq>
+          </p:childTnLst>
+        </p:cTn>
       </p:par>
     </p:tnLst>
+    <p:bldLst>
+      <p:bldP spid="5" grpId="0"/>
+    </p:bldLst>
   </p:timing>
 </p:sld>
 </file>
@@ -7664,7 +8114,7 @@
       </p:grpSpPr>
       <p:pic>
         <p:nvPicPr>
-          <p:cNvPr id="67586" name="Picture 2" descr="C:\Users\shuai\Desktop\5490569_150453778668_2.jpg"/>
+          <p:cNvPr id="66566" name="Picture 6"/>
           <p:cNvPicPr>
             <a:picLocks noChangeAspect="1" noChangeArrowheads="1"/>
           </p:cNvPicPr>
@@ -7695,20 +8145,43 @@
         </p:blipFill>
         <p:spPr bwMode="auto">
           <a:xfrm>
-            <a:off x="0" y="-457200"/>
-            <a:ext cx="7563634" cy="7563634"/>
+            <a:off x="1871725" y="2330498"/>
+            <a:ext cx="3137003" cy="3754118"/>
           </a:xfrm>
           <a:prstGeom prst="rect">
             <a:avLst/>
           </a:prstGeom>
           <a:noFill/>
+          <a:ln>
+            <a:noFill/>
+          </a:ln>
+          <a:effectLst/>
           <a:extLst>
             <a:ext uri="{909E8E84-426E-40DD-AFC4-6F175D3DCCD1}">
               <a14:hiddenFill xmlns:a14="http://schemas.microsoft.com/office/drawing/2010/main">
                 <a:solidFill>
-                  <a:srgbClr val="FFFFFF"/>
+                  <a:schemeClr val="accent1"/>
                 </a:solidFill>
               </a14:hiddenFill>
+            </a:ext>
+            <a:ext uri="{91240B29-F687-4F45-9708-019B960494DF}">
+              <a14:hiddenLine xmlns:a14="http://schemas.microsoft.com/office/drawing/2010/main" w="9525">
+                <a:solidFill>
+                  <a:schemeClr val="tx1"/>
+                </a:solidFill>
+                <a:miter lim="800000"/>
+                <a:headEnd/>
+                <a:tailEnd/>
+              </a14:hiddenLine>
+            </a:ext>
+            <a:ext uri="{AF507438-7753-43E0-B8FC-AC1667EBCBE1}">
+              <a14:hiddenEffects xmlns:a14="http://schemas.microsoft.com/office/drawing/2010/main">
+                <a:effectLst>
+                  <a:outerShdw dist="35921" dir="2700000" algn="ctr" rotWithShape="0">
+                    <a:schemeClr val="bg2"/>
+                  </a:outerShdw>
+                </a:effectLst>
+              </a14:hiddenEffects>
             </a:ext>
           </a:extLst>
         </p:spPr>
@@ -7863,6 +8336,108 @@
           </a:p>
         </p:txBody>
       </p:sp>
+      <p:pic>
+        <p:nvPicPr>
+          <p:cNvPr id="66562" name="Picture 2" descr="C:\Users\shuai\Desktop\图片9.jpg"/>
+          <p:cNvPicPr>
+            <a:picLocks noChangeAspect="1" noChangeArrowheads="1"/>
+          </p:cNvPicPr>
+          <p:nvPr/>
+        </p:nvPicPr>
+        <p:blipFill>
+          <a:blip r:embed="rId3">
+            <a:clrChange>
+              <a:clrFrom>
+                <a:srgbClr val="FFFFFF"/>
+              </a:clrFrom>
+              <a:clrTo>
+                <a:srgbClr val="FFFFFF">
+                  <a:alpha val="0"/>
+                </a:srgbClr>
+              </a:clrTo>
+            </a:clrChange>
+            <a:extLst>
+              <a:ext uri="{28A0092B-C50C-407E-A947-70E740481C1C}">
+                <a14:useLocalDpi xmlns:a14="http://schemas.microsoft.com/office/drawing/2010/main" val="0"/>
+              </a:ext>
+            </a:extLst>
+          </a:blip>
+          <a:srcRect/>
+          <a:stretch>
+            <a:fillRect/>
+          </a:stretch>
+        </p:blipFill>
+        <p:spPr bwMode="auto">
+          <a:xfrm>
+            <a:off x="2130804" y="3144867"/>
+            <a:ext cx="1457078" cy="1446793"/>
+          </a:xfrm>
+          <a:prstGeom prst="rect">
+            <a:avLst/>
+          </a:prstGeom>
+          <a:noFill/>
+          <a:extLst>
+            <a:ext uri="{909E8E84-426E-40DD-AFC4-6F175D3DCCD1}">
+              <a14:hiddenFill xmlns:a14="http://schemas.microsoft.com/office/drawing/2010/main">
+                <a:solidFill>
+                  <a:srgbClr val="FFFFFF"/>
+                </a:solidFill>
+              </a14:hiddenFill>
+            </a:ext>
+          </a:extLst>
+        </p:spPr>
+      </p:pic>
+      <p:pic>
+        <p:nvPicPr>
+          <p:cNvPr id="66563" name="Picture 3" descr="C:\Users\shuai\Desktop\图片10.jpg"/>
+          <p:cNvPicPr>
+            <a:picLocks noChangeAspect="1" noChangeArrowheads="1"/>
+          </p:cNvPicPr>
+          <p:nvPr/>
+        </p:nvPicPr>
+        <p:blipFill>
+          <a:blip r:embed="rId4">
+            <a:clrChange>
+              <a:clrFrom>
+                <a:srgbClr val="FFFFFF"/>
+              </a:clrFrom>
+              <a:clrTo>
+                <a:srgbClr val="FFFFFF">
+                  <a:alpha val="0"/>
+                </a:srgbClr>
+              </a:clrTo>
+            </a:clrChange>
+            <a:extLst>
+              <a:ext uri="{28A0092B-C50C-407E-A947-70E740481C1C}">
+                <a14:useLocalDpi xmlns:a14="http://schemas.microsoft.com/office/drawing/2010/main" val="0"/>
+              </a:ext>
+            </a:extLst>
+          </a:blip>
+          <a:srcRect/>
+          <a:stretch>
+            <a:fillRect/>
+          </a:stretch>
+        </p:blipFill>
+        <p:spPr bwMode="auto">
+          <a:xfrm>
+            <a:off x="2877056" y="3011518"/>
+            <a:ext cx="2099907" cy="1734780"/>
+          </a:xfrm>
+          <a:prstGeom prst="rect">
+            <a:avLst/>
+          </a:prstGeom>
+          <a:noFill/>
+          <a:extLst>
+            <a:ext uri="{909E8E84-426E-40DD-AFC4-6F175D3DCCD1}">
+              <a14:hiddenFill xmlns:a14="http://schemas.microsoft.com/office/drawing/2010/main">
+                <a:solidFill>
+                  <a:srgbClr val="FFFFFF"/>
+                </a:solidFill>
+              </a14:hiddenFill>
+            </a:ext>
+          </a:extLst>
+        </p:spPr>
+      </p:pic>
     </p:spTree>
     <p:extLst>
       <p:ext uri="{BB962C8B-B14F-4D97-AF65-F5344CB8AC3E}">
@@ -7888,7 +8463,278 @@
   <p:timing>
     <p:tnLst>
       <p:par>
-        <p:cTn id="1" dur="indefinite" restart="never" nodeType="tmRoot"/>
+        <p:cTn id="1" dur="indefinite" restart="never" nodeType="tmRoot">
+          <p:childTnLst>
+            <p:seq concurrent="1" nextAc="seek">
+              <p:cTn id="2" dur="indefinite" nodeType="mainSeq">
+                <p:childTnLst>
+                  <p:par>
+                    <p:cTn id="3" fill="hold">
+                      <p:stCondLst>
+                        <p:cond delay="indefinite"/>
+                        <p:cond evt="onBegin" delay="0">
+                          <p:tn val="2"/>
+                        </p:cond>
+                      </p:stCondLst>
+                      <p:childTnLst>
+                        <p:par>
+                          <p:cTn id="4" fill="hold">
+                            <p:stCondLst>
+                              <p:cond delay="0"/>
+                            </p:stCondLst>
+                            <p:childTnLst>
+                              <p:par>
+                                <p:cTn id="5" presetID="1" presetClass="entr" presetSubtype="0" fill="hold" nodeType="afterEffect">
+                                  <p:stCondLst>
+                                    <p:cond delay="0"/>
+                                  </p:stCondLst>
+                                  <p:childTnLst>
+                                    <p:set>
+                                      <p:cBhvr>
+                                        <p:cTn id="6" dur="1" fill="hold">
+                                          <p:stCondLst>
+                                            <p:cond delay="0"/>
+                                          </p:stCondLst>
+                                        </p:cTn>
+                                        <p:tgtEl>
+                                          <p:spTgt spid="66562"/>
+                                        </p:tgtEl>
+                                        <p:attrNameLst>
+                                          <p:attrName>style.visibility</p:attrName>
+                                        </p:attrNameLst>
+                                      </p:cBhvr>
+                                      <p:to>
+                                        <p:strVal val="visible"/>
+                                      </p:to>
+                                    </p:set>
+                                  </p:childTnLst>
+                                </p:cTn>
+                              </p:par>
+                            </p:childTnLst>
+                          </p:cTn>
+                        </p:par>
+                        <p:par>
+                          <p:cTn id="7" fill="hold">
+                            <p:stCondLst>
+                              <p:cond delay="0"/>
+                            </p:stCondLst>
+                            <p:childTnLst>
+                              <p:par>
+                                <p:cTn id="8" presetID="1" presetClass="entr" presetSubtype="0" fill="hold" nodeType="afterEffect">
+                                  <p:stCondLst>
+                                    <p:cond delay="0"/>
+                                  </p:stCondLst>
+                                  <p:childTnLst>
+                                    <p:set>
+                                      <p:cBhvr>
+                                        <p:cTn id="9" dur="1" fill="hold">
+                                          <p:stCondLst>
+                                            <p:cond delay="0"/>
+                                          </p:stCondLst>
+                                        </p:cTn>
+                                        <p:tgtEl>
+                                          <p:spTgt spid="66563"/>
+                                        </p:tgtEl>
+                                        <p:attrNameLst>
+                                          <p:attrName>style.visibility</p:attrName>
+                                        </p:attrNameLst>
+                                      </p:cBhvr>
+                                      <p:to>
+                                        <p:strVal val="visible"/>
+                                      </p:to>
+                                    </p:set>
+                                  </p:childTnLst>
+                                </p:cTn>
+                              </p:par>
+                            </p:childTnLst>
+                          </p:cTn>
+                        </p:par>
+                        <p:par>
+                          <p:cTn id="10" fill="hold">
+                            <p:stCondLst>
+                              <p:cond delay="0"/>
+                            </p:stCondLst>
+                            <p:childTnLst>
+                              <p:par>
+                                <p:cTn id="11" presetID="2" presetClass="exit" presetSubtype="9" fill="hold" nodeType="afterEffect">
+                                  <p:stCondLst>
+                                    <p:cond delay="0"/>
+                                  </p:stCondLst>
+                                  <p:childTnLst>
+                                    <p:anim calcmode="lin" valueType="num">
+                                      <p:cBhvr additive="base">
+                                        <p:cTn id="12" dur="1000"/>
+                                        <p:tgtEl>
+                                          <p:spTgt spid="66562"/>
+                                        </p:tgtEl>
+                                        <p:attrNameLst>
+                                          <p:attrName>ppt_x</p:attrName>
+                                        </p:attrNameLst>
+                                      </p:cBhvr>
+                                      <p:tavLst>
+                                        <p:tav tm="0">
+                                          <p:val>
+                                            <p:strVal val="ppt_x"/>
+                                          </p:val>
+                                        </p:tav>
+                                        <p:tav tm="100000">
+                                          <p:val>
+                                            <p:strVal val="0-ppt_w/2"/>
+                                          </p:val>
+                                        </p:tav>
+                                      </p:tavLst>
+                                    </p:anim>
+                                    <p:anim calcmode="lin" valueType="num">
+                                      <p:cBhvr additive="base">
+                                        <p:cTn id="13" dur="1000"/>
+                                        <p:tgtEl>
+                                          <p:spTgt spid="66562"/>
+                                        </p:tgtEl>
+                                        <p:attrNameLst>
+                                          <p:attrName>ppt_y</p:attrName>
+                                        </p:attrNameLst>
+                                      </p:cBhvr>
+                                      <p:tavLst>
+                                        <p:tav tm="0">
+                                          <p:val>
+                                            <p:strVal val="ppt_y"/>
+                                          </p:val>
+                                        </p:tav>
+                                        <p:tav tm="100000">
+                                          <p:val>
+                                            <p:strVal val="0-ppt_h/2"/>
+                                          </p:val>
+                                        </p:tav>
+                                      </p:tavLst>
+                                    </p:anim>
+                                    <p:set>
+                                      <p:cBhvr>
+                                        <p:cTn id="14" dur="1" fill="hold">
+                                          <p:stCondLst>
+                                            <p:cond delay="999"/>
+                                          </p:stCondLst>
+                                        </p:cTn>
+                                        <p:tgtEl>
+                                          <p:spTgt spid="66562"/>
+                                        </p:tgtEl>
+                                        <p:attrNameLst>
+                                          <p:attrName>style.visibility</p:attrName>
+                                        </p:attrNameLst>
+                                      </p:cBhvr>
+                                      <p:to>
+                                        <p:strVal val="hidden"/>
+                                      </p:to>
+                                    </p:set>
+                                  </p:childTnLst>
+                                </p:cTn>
+                              </p:par>
+                            </p:childTnLst>
+                          </p:cTn>
+                        </p:par>
+                        <p:par>
+                          <p:cTn id="15" fill="hold">
+                            <p:stCondLst>
+                              <p:cond delay="1000"/>
+                            </p:stCondLst>
+                            <p:childTnLst>
+                              <p:par>
+                                <p:cTn id="16" presetID="2" presetClass="exit" presetSubtype="3" fill="hold" nodeType="afterEffect">
+                                  <p:stCondLst>
+                                    <p:cond delay="0"/>
+                                  </p:stCondLst>
+                                  <p:childTnLst>
+                                    <p:anim calcmode="lin" valueType="num">
+                                      <p:cBhvr additive="base">
+                                        <p:cTn id="17" dur="1000"/>
+                                        <p:tgtEl>
+                                          <p:spTgt spid="66563"/>
+                                        </p:tgtEl>
+                                        <p:attrNameLst>
+                                          <p:attrName>ppt_x</p:attrName>
+                                        </p:attrNameLst>
+                                      </p:cBhvr>
+                                      <p:tavLst>
+                                        <p:tav tm="0">
+                                          <p:val>
+                                            <p:strVal val="ppt_x"/>
+                                          </p:val>
+                                        </p:tav>
+                                        <p:tav tm="100000">
+                                          <p:val>
+                                            <p:strVal val="1+ppt_w/2"/>
+                                          </p:val>
+                                        </p:tav>
+                                      </p:tavLst>
+                                    </p:anim>
+                                    <p:anim calcmode="lin" valueType="num">
+                                      <p:cBhvr additive="base">
+                                        <p:cTn id="18" dur="1000"/>
+                                        <p:tgtEl>
+                                          <p:spTgt spid="66563"/>
+                                        </p:tgtEl>
+                                        <p:attrNameLst>
+                                          <p:attrName>ppt_y</p:attrName>
+                                        </p:attrNameLst>
+                                      </p:cBhvr>
+                                      <p:tavLst>
+                                        <p:tav tm="0">
+                                          <p:val>
+                                            <p:strVal val="ppt_y"/>
+                                          </p:val>
+                                        </p:tav>
+                                        <p:tav tm="100000">
+                                          <p:val>
+                                            <p:strVal val="0-ppt_h/2"/>
+                                          </p:val>
+                                        </p:tav>
+                                      </p:tavLst>
+                                    </p:anim>
+                                    <p:set>
+                                      <p:cBhvr>
+                                        <p:cTn id="19" dur="1" fill="hold">
+                                          <p:stCondLst>
+                                            <p:cond delay="999"/>
+                                          </p:stCondLst>
+                                        </p:cTn>
+                                        <p:tgtEl>
+                                          <p:spTgt spid="66563"/>
+                                        </p:tgtEl>
+                                        <p:attrNameLst>
+                                          <p:attrName>style.visibility</p:attrName>
+                                        </p:attrNameLst>
+                                      </p:cBhvr>
+                                      <p:to>
+                                        <p:strVal val="hidden"/>
+                                      </p:to>
+                                    </p:set>
+                                  </p:childTnLst>
+                                </p:cTn>
+                              </p:par>
+                            </p:childTnLst>
+                          </p:cTn>
+                        </p:par>
+                      </p:childTnLst>
+                    </p:cTn>
+                  </p:par>
+                </p:childTnLst>
+              </p:cTn>
+              <p:prevCondLst>
+                <p:cond evt="onPrev" delay="0">
+                  <p:tgtEl>
+                    <p:sldTgt/>
+                  </p:tgtEl>
+                </p:cond>
+              </p:prevCondLst>
+              <p:nextCondLst>
+                <p:cond evt="onNext" delay="0">
+                  <p:tgtEl>
+                    <p:sldTgt/>
+                  </p:tgtEl>
+                </p:cond>
+              </p:nextCondLst>
+            </p:seq>
+          </p:childTnLst>
+        </p:cTn>
       </p:par>
     </p:tnLst>
   </p:timing>
@@ -9168,7 +10014,7 @@
           <a:graphicData uri="http://schemas.openxmlformats.org/presentationml/2006/ole">
             <mc:AlternateContent xmlns:mc="http://schemas.openxmlformats.org/markup-compatibility/2006">
               <mc:Choice xmlns:v="urn:schemas-microsoft-com:vml" Requires="v">
-                <p:oleObj spid="_x0000_s62486" name="Visio" r:id="rId3" imgW="10095354" imgH="6082219" progId="Visio.Drawing.11">
+                <p:oleObj spid="_x0000_s62488" name="Visio" r:id="rId3" imgW="10095354" imgH="6082219" progId="Visio.Drawing.11">
                   <p:embed/>
                 </p:oleObj>
               </mc:Choice>
@@ -9397,7 +10243,7 @@
           <a:graphicData uri="http://schemas.openxmlformats.org/presentationml/2006/ole">
             <mc:AlternateContent xmlns:mc="http://schemas.openxmlformats.org/markup-compatibility/2006">
               <mc:Choice xmlns:v="urn:schemas-microsoft-com:vml" Requires="v">
-                <p:oleObj spid="_x0000_s65559" name="Visio" r:id="rId3" imgW="9134559" imgH="7184147" progId="Visio.Drawing.11">
+                <p:oleObj spid="_x0000_s65561" name="Visio" r:id="rId3" imgW="9134559" imgH="7184147" progId="Visio.Drawing.11">
                   <p:embed/>
                 </p:oleObj>
               </mc:Choice>
@@ -12669,6 +13515,9 @@
                     <p:cTn id="3" fill="hold">
                       <p:stCondLst>
                         <p:cond delay="indefinite"/>
+                        <p:cond evt="onBegin" delay="0">
+                          <p:tn val="2"/>
+                        </p:cond>
                       </p:stCondLst>
                       <p:childTnLst>
                         <p:par>
@@ -12678,7 +13527,7 @@
                             </p:stCondLst>
                             <p:childTnLst>
                               <p:par>
-                                <p:cTn id="5" presetID="6" presetClass="entr" presetSubtype="16" fill="hold" grpId="0" nodeType="clickEffect">
+                                <p:cTn id="5" presetID="6" presetClass="entr" presetSubtype="16" fill="hold" grpId="0" nodeType="afterEffect">
                                   <p:stCondLst>
                                     <p:cond delay="0"/>
                                   </p:stCondLst>
@@ -13055,6 +13904,41 @@
                                   </p:childTnLst>
                                 </p:cTn>
                               </p:par>
+                              <p:par>
+                                <p:cTn id="8" presetID="21" presetClass="entr" presetSubtype="1" fill="hold" nodeType="withEffect">
+                                  <p:stCondLst>
+                                    <p:cond delay="0"/>
+                                  </p:stCondLst>
+                                  <p:childTnLst>
+                                    <p:set>
+                                      <p:cBhvr>
+                                        <p:cTn id="9" dur="1" fill="hold">
+                                          <p:stCondLst>
+                                            <p:cond delay="0"/>
+                                          </p:stCondLst>
+                                        </p:cTn>
+                                        <p:tgtEl>
+                                          <p:spTgt spid="56322"/>
+                                        </p:tgtEl>
+                                        <p:attrNameLst>
+                                          <p:attrName>style.visibility</p:attrName>
+                                        </p:attrNameLst>
+                                      </p:cBhvr>
+                                      <p:to>
+                                        <p:strVal val="visible"/>
+                                      </p:to>
+                                    </p:set>
+                                    <p:animEffect transition="in" filter="wheel(1)">
+                                      <p:cBhvr>
+                                        <p:cTn id="10" dur="2000"/>
+                                        <p:tgtEl>
+                                          <p:spTgt spid="56322"/>
+                                        </p:tgtEl>
+                                      </p:cBhvr>
+                                    </p:animEffect>
+                                  </p:childTnLst>
+                                </p:cTn>
+                              </p:par>
                             </p:childTnLst>
                           </p:cTn>
                         </p:par>
@@ -13366,6 +14250,41 @@
                                   </p:childTnLst>
                                 </p:cTn>
                               </p:par>
+                              <p:par>
+                                <p:cTn id="8" presetID="14" presetClass="entr" presetSubtype="10" fill="hold" grpId="0" nodeType="withEffect">
+                                  <p:stCondLst>
+                                    <p:cond delay="0"/>
+                                  </p:stCondLst>
+                                  <p:childTnLst>
+                                    <p:set>
+                                      <p:cBhvr>
+                                        <p:cTn id="9" dur="1" fill="hold">
+                                          <p:stCondLst>
+                                            <p:cond delay="0"/>
+                                          </p:stCondLst>
+                                        </p:cTn>
+                                        <p:tgtEl>
+                                          <p:spTgt spid="7"/>
+                                        </p:tgtEl>
+                                        <p:attrNameLst>
+                                          <p:attrName>style.visibility</p:attrName>
+                                        </p:attrNameLst>
+                                      </p:cBhvr>
+                                      <p:to>
+                                        <p:strVal val="visible"/>
+                                      </p:to>
+                                    </p:set>
+                                    <p:animEffect transition="in" filter="randombar(horizontal)">
+                                      <p:cBhvr>
+                                        <p:cTn id="10" dur="500"/>
+                                        <p:tgtEl>
+                                          <p:spTgt spid="7"/>
+                                        </p:tgtEl>
+                                      </p:cBhvr>
+                                    </p:animEffect>
+                                  </p:childTnLst>
+                                </p:cTn>
+                              </p:par>
                             </p:childTnLst>
                           </p:cTn>
                         </p:par>
@@ -13395,6 +14314,7 @@
     </p:tnLst>
     <p:bldLst>
       <p:bldP spid="6" grpId="0"/>
+      <p:bldP spid="7" grpId="0"/>
     </p:bldLst>
   </p:timing>
 </p:sld>
@@ -14786,9 +15706,129 @@
   <p:timing>
     <p:tnLst>
       <p:par>
-        <p:cTn id="1" dur="indefinite" restart="never" nodeType="tmRoot"/>
+        <p:cTn id="1" dur="indefinite" restart="never" nodeType="tmRoot">
+          <p:childTnLst>
+            <p:seq concurrent="1" nextAc="seek">
+              <p:cTn id="2" dur="indefinite" nodeType="mainSeq">
+                <p:childTnLst>
+                  <p:par>
+                    <p:cTn id="3" fill="hold">
+                      <p:stCondLst>
+                        <p:cond delay="indefinite"/>
+                        <p:cond evt="onBegin" delay="0">
+                          <p:tn val="2"/>
+                        </p:cond>
+                      </p:stCondLst>
+                      <p:childTnLst>
+                        <p:par>
+                          <p:cTn id="4" fill="hold">
+                            <p:stCondLst>
+                              <p:cond delay="0"/>
+                            </p:stCondLst>
+                            <p:childTnLst>
+                              <p:par>
+                                <p:cTn id="5" presetID="2" presetClass="entr" presetSubtype="4" fill="hold" grpId="0" nodeType="afterEffect">
+                                  <p:stCondLst>
+                                    <p:cond delay="0"/>
+                                  </p:stCondLst>
+                                  <p:childTnLst>
+                                    <p:set>
+                                      <p:cBhvr>
+                                        <p:cTn id="6" dur="1" fill="hold">
+                                          <p:stCondLst>
+                                            <p:cond delay="0"/>
+                                          </p:stCondLst>
+                                        </p:cTn>
+                                        <p:tgtEl>
+                                          <p:spTgt spid="5"/>
+                                        </p:tgtEl>
+                                        <p:attrNameLst>
+                                          <p:attrName>style.visibility</p:attrName>
+                                        </p:attrNameLst>
+                                      </p:cBhvr>
+                                      <p:to>
+                                        <p:strVal val="visible"/>
+                                      </p:to>
+                                    </p:set>
+                                    <p:anim calcmode="lin" valueType="num">
+                                      <p:cBhvr additive="base">
+                                        <p:cTn id="7" dur="500" fill="hold"/>
+                                        <p:tgtEl>
+                                          <p:spTgt spid="5"/>
+                                        </p:tgtEl>
+                                        <p:attrNameLst>
+                                          <p:attrName>ppt_x</p:attrName>
+                                        </p:attrNameLst>
+                                      </p:cBhvr>
+                                      <p:tavLst>
+                                        <p:tav tm="0">
+                                          <p:val>
+                                            <p:strVal val="#ppt_x"/>
+                                          </p:val>
+                                        </p:tav>
+                                        <p:tav tm="100000">
+                                          <p:val>
+                                            <p:strVal val="#ppt_x"/>
+                                          </p:val>
+                                        </p:tav>
+                                      </p:tavLst>
+                                    </p:anim>
+                                    <p:anim calcmode="lin" valueType="num">
+                                      <p:cBhvr additive="base">
+                                        <p:cTn id="8" dur="500" fill="hold"/>
+                                        <p:tgtEl>
+                                          <p:spTgt spid="5"/>
+                                        </p:tgtEl>
+                                        <p:attrNameLst>
+                                          <p:attrName>ppt_y</p:attrName>
+                                        </p:attrNameLst>
+                                      </p:cBhvr>
+                                      <p:tavLst>
+                                        <p:tav tm="0">
+                                          <p:val>
+                                            <p:strVal val="1+#ppt_h/2"/>
+                                          </p:val>
+                                        </p:tav>
+                                        <p:tav tm="100000">
+                                          <p:val>
+                                            <p:strVal val="#ppt_y"/>
+                                          </p:val>
+                                        </p:tav>
+                                      </p:tavLst>
+                                    </p:anim>
+                                  </p:childTnLst>
+                                </p:cTn>
+                              </p:par>
+                            </p:childTnLst>
+                          </p:cTn>
+                        </p:par>
+                      </p:childTnLst>
+                    </p:cTn>
+                  </p:par>
+                </p:childTnLst>
+              </p:cTn>
+              <p:prevCondLst>
+                <p:cond evt="onPrev" delay="0">
+                  <p:tgtEl>
+                    <p:sldTgt/>
+                  </p:tgtEl>
+                </p:cond>
+              </p:prevCondLst>
+              <p:nextCondLst>
+                <p:cond evt="onNext" delay="0">
+                  <p:tgtEl>
+                    <p:sldTgt/>
+                  </p:tgtEl>
+                </p:cond>
+              </p:nextCondLst>
+            </p:seq>
+          </p:childTnLst>
+        </p:cTn>
       </p:par>
     </p:tnLst>
+    <p:bldLst>
+      <p:bldP spid="5" grpId="0"/>
+    </p:bldLst>
   </p:timing>
 </p:sld>
 </file>
@@ -14948,9 +15988,91 @@
   <p:timing>
     <p:tnLst>
       <p:par>
-        <p:cTn id="1" dur="indefinite" restart="never" nodeType="tmRoot"/>
+        <p:cTn id="1" dur="indefinite" restart="never" nodeType="tmRoot">
+          <p:childTnLst>
+            <p:seq concurrent="1" nextAc="seek">
+              <p:cTn id="2" dur="indefinite" nodeType="mainSeq">
+                <p:childTnLst>
+                  <p:par>
+                    <p:cTn id="3" fill="hold">
+                      <p:stCondLst>
+                        <p:cond delay="indefinite"/>
+                        <p:cond evt="onBegin" delay="0">
+                          <p:tn val="2"/>
+                        </p:cond>
+                      </p:stCondLst>
+                      <p:childTnLst>
+                        <p:par>
+                          <p:cTn id="4" fill="hold">
+                            <p:stCondLst>
+                              <p:cond delay="0"/>
+                            </p:stCondLst>
+                            <p:childTnLst>
+                              <p:par>
+                                <p:cTn id="5" presetID="6" presetClass="entr" presetSubtype="16" fill="hold" grpId="0" nodeType="afterEffect">
+                                  <p:stCondLst>
+                                    <p:cond delay="0"/>
+                                  </p:stCondLst>
+                                  <p:childTnLst>
+                                    <p:set>
+                                      <p:cBhvr>
+                                        <p:cTn id="6" dur="1" fill="hold">
+                                          <p:stCondLst>
+                                            <p:cond delay="0"/>
+                                          </p:stCondLst>
+                                        </p:cTn>
+                                        <p:tgtEl>
+                                          <p:spTgt spid="4"/>
+                                        </p:tgtEl>
+                                        <p:attrNameLst>
+                                          <p:attrName>style.visibility</p:attrName>
+                                        </p:attrNameLst>
+                                      </p:cBhvr>
+                                      <p:to>
+                                        <p:strVal val="visible"/>
+                                      </p:to>
+                                    </p:set>
+                                    <p:animEffect transition="in" filter="circle(in)">
+                                      <p:cBhvr>
+                                        <p:cTn id="7" dur="1500"/>
+                                        <p:tgtEl>
+                                          <p:spTgt spid="4"/>
+                                        </p:tgtEl>
+                                      </p:cBhvr>
+                                    </p:animEffect>
+                                  </p:childTnLst>
+                                </p:cTn>
+                              </p:par>
+                            </p:childTnLst>
+                          </p:cTn>
+                        </p:par>
+                      </p:childTnLst>
+                    </p:cTn>
+                  </p:par>
+                </p:childTnLst>
+              </p:cTn>
+              <p:prevCondLst>
+                <p:cond evt="onPrev" delay="0">
+                  <p:tgtEl>
+                    <p:sldTgt/>
+                  </p:tgtEl>
+                </p:cond>
+              </p:prevCondLst>
+              <p:nextCondLst>
+                <p:cond evt="onNext" delay="0">
+                  <p:tgtEl>
+                    <p:sldTgt/>
+                  </p:tgtEl>
+                </p:cond>
+              </p:nextCondLst>
+            </p:seq>
+          </p:childTnLst>
+        </p:cTn>
       </p:par>
     </p:tnLst>
+    <p:bldLst>
+      <p:bldP spid="4" grpId="0"/>
+    </p:bldLst>
   </p:timing>
 </p:sld>
 </file>

--- a/doc/���ӷ�Ʊ����ϵͳ.pptx
+++ b/doc/���ӷ�Ʊ����ϵͳ.pptx
@@ -5871,164 +5871,9 @@
   <p:timing>
     <p:tnLst>
       <p:par>
-        <p:cTn id="1" dur="indefinite" restart="never" nodeType="tmRoot">
-          <p:childTnLst>
-            <p:seq concurrent="1" nextAc="seek">
-              <p:cTn id="2" dur="indefinite" nodeType="mainSeq">
-                <p:childTnLst>
-                  <p:par>
-                    <p:cTn id="3" fill="hold">
-                      <p:stCondLst>
-                        <p:cond delay="indefinite"/>
-                        <p:cond evt="onBegin" delay="0">
-                          <p:tn val="2"/>
-                        </p:cond>
-                      </p:stCondLst>
-                      <p:childTnLst>
-                        <p:par>
-                          <p:cTn id="4" fill="hold">
-                            <p:stCondLst>
-                              <p:cond delay="0"/>
-                            </p:stCondLst>
-                            <p:childTnLst>
-                              <p:par>
-                                <p:cTn id="5" presetID="2" presetClass="entr" presetSubtype="3" fill="hold" grpId="0" nodeType="afterEffect">
-                                  <p:stCondLst>
-                                    <p:cond delay="0"/>
-                                  </p:stCondLst>
-                                  <p:childTnLst>
-                                    <p:set>
-                                      <p:cBhvr>
-                                        <p:cTn id="6" dur="1" fill="hold">
-                                          <p:stCondLst>
-                                            <p:cond delay="0"/>
-                                          </p:stCondLst>
-                                        </p:cTn>
-                                        <p:tgtEl>
-                                          <p:spTgt spid="5"/>
-                                        </p:tgtEl>
-                                        <p:attrNameLst>
-                                          <p:attrName>style.visibility</p:attrName>
-                                        </p:attrNameLst>
-                                      </p:cBhvr>
-                                      <p:to>
-                                        <p:strVal val="visible"/>
-                                      </p:to>
-                                    </p:set>
-                                    <p:anim calcmode="lin" valueType="num">
-                                      <p:cBhvr additive="base">
-                                        <p:cTn id="7" dur="1000" fill="hold"/>
-                                        <p:tgtEl>
-                                          <p:spTgt spid="5"/>
-                                        </p:tgtEl>
-                                        <p:attrNameLst>
-                                          <p:attrName>ppt_x</p:attrName>
-                                        </p:attrNameLst>
-                                      </p:cBhvr>
-                                      <p:tavLst>
-                                        <p:tav tm="0">
-                                          <p:val>
-                                            <p:strVal val="1+#ppt_w/2"/>
-                                          </p:val>
-                                        </p:tav>
-                                        <p:tav tm="100000">
-                                          <p:val>
-                                            <p:strVal val="#ppt_x"/>
-                                          </p:val>
-                                        </p:tav>
-                                      </p:tavLst>
-                                    </p:anim>
-                                    <p:anim calcmode="lin" valueType="num">
-                                      <p:cBhvr additive="base">
-                                        <p:cTn id="8" dur="1000" fill="hold"/>
-                                        <p:tgtEl>
-                                          <p:spTgt spid="5"/>
-                                        </p:tgtEl>
-                                        <p:attrNameLst>
-                                          <p:attrName>ppt_y</p:attrName>
-                                        </p:attrNameLst>
-                                      </p:cBhvr>
-                                      <p:tavLst>
-                                        <p:tav tm="0">
-                                          <p:val>
-                                            <p:strVal val="0-#ppt_h/2"/>
-                                          </p:val>
-                                        </p:tav>
-                                        <p:tav tm="100000">
-                                          <p:val>
-                                            <p:strVal val="#ppt_y"/>
-                                          </p:val>
-                                        </p:tav>
-                                      </p:tavLst>
-                                    </p:anim>
-                                  </p:childTnLst>
-                                </p:cTn>
-                              </p:par>
-                              <p:par>
-                                <p:cTn id="9" presetID="6" presetClass="entr" presetSubtype="16" fill="hold" nodeType="withEffect">
-                                  <p:stCondLst>
-                                    <p:cond delay="0"/>
-                                  </p:stCondLst>
-                                  <p:childTnLst>
-                                    <p:set>
-                                      <p:cBhvr>
-                                        <p:cTn id="10" dur="1" fill="hold">
-                                          <p:stCondLst>
-                                            <p:cond delay="0"/>
-                                          </p:stCondLst>
-                                        </p:cTn>
-                                        <p:tgtEl>
-                                          <p:spTgt spid="59394"/>
-                                        </p:tgtEl>
-                                        <p:attrNameLst>
-                                          <p:attrName>style.visibility</p:attrName>
-                                        </p:attrNameLst>
-                                      </p:cBhvr>
-                                      <p:to>
-                                        <p:strVal val="visible"/>
-                                      </p:to>
-                                    </p:set>
-                                    <p:animEffect transition="in" filter="circle(in)">
-                                      <p:cBhvr>
-                                        <p:cTn id="11" dur="1250"/>
-                                        <p:tgtEl>
-                                          <p:spTgt spid="59394"/>
-                                        </p:tgtEl>
-                                      </p:cBhvr>
-                                    </p:animEffect>
-                                  </p:childTnLst>
-                                </p:cTn>
-                              </p:par>
-                            </p:childTnLst>
-                          </p:cTn>
-                        </p:par>
-                      </p:childTnLst>
-                    </p:cTn>
-                  </p:par>
-                </p:childTnLst>
-              </p:cTn>
-              <p:prevCondLst>
-                <p:cond evt="onPrev" delay="0">
-                  <p:tgtEl>
-                    <p:sldTgt/>
-                  </p:tgtEl>
-                </p:cond>
-              </p:prevCondLst>
-              <p:nextCondLst>
-                <p:cond evt="onNext" delay="0">
-                  <p:tgtEl>
-                    <p:sldTgt/>
-                  </p:tgtEl>
-                </p:cond>
-              </p:nextCondLst>
-            </p:seq>
-          </p:childTnLst>
-        </p:cTn>
+        <p:cTn id="1" dur="indefinite" restart="never" nodeType="tmRoot"/>
       </p:par>
     </p:tnLst>
-    <p:bldLst>
-      <p:bldP spid="5" grpId="0"/>
-    </p:bldLst>
   </p:timing>
 </p:sld>
 </file>
@@ -6050,6 +5895,80 @@
           <a:chExt cx="0" cy="0"/>
         </a:xfrm>
       </p:grpSpPr>
+      <p:pic>
+        <p:nvPicPr>
+          <p:cNvPr id="60422" name="Picture 6"/>
+          <p:cNvPicPr>
+            <a:picLocks noChangeAspect="1" noChangeArrowheads="1"/>
+          </p:cNvPicPr>
+          <p:nvPr/>
+        </p:nvPicPr>
+        <p:blipFill>
+          <a:blip r:embed="rId2">
+            <a:clrChange>
+              <a:clrFrom>
+                <a:srgbClr val="FFFFFF"/>
+              </a:clrFrom>
+              <a:clrTo>
+                <a:srgbClr val="FFFFFF">
+                  <a:alpha val="0"/>
+                </a:srgbClr>
+              </a:clrTo>
+            </a:clrChange>
+            <a:extLst>
+              <a:ext uri="{28A0092B-C50C-407E-A947-70E740481C1C}">
+                <a14:useLocalDpi xmlns:a14="http://schemas.microsoft.com/office/drawing/2010/main" val="0"/>
+              </a:ext>
+            </a:extLst>
+          </a:blip>
+          <a:srcRect/>
+          <a:stretch>
+            <a:fillRect/>
+          </a:stretch>
+        </p:blipFill>
+        <p:spPr bwMode="auto">
+          <a:xfrm>
+            <a:off x="2250751" y="1472250"/>
+            <a:ext cx="3810000" cy="3810000"/>
+          </a:xfrm>
+          <a:prstGeom prst="rect">
+            <a:avLst/>
+          </a:prstGeom>
+          <a:noFill/>
+          <a:ln>
+            <a:noFill/>
+          </a:ln>
+          <a:effectLst/>
+          <a:extLst>
+            <a:ext uri="{909E8E84-426E-40DD-AFC4-6F175D3DCCD1}">
+              <a14:hiddenFill xmlns:a14="http://schemas.microsoft.com/office/drawing/2010/main">
+                <a:solidFill>
+                  <a:schemeClr val="accent1"/>
+                </a:solidFill>
+              </a14:hiddenFill>
+            </a:ext>
+            <a:ext uri="{91240B29-F687-4F45-9708-019B960494DF}">
+              <a14:hiddenLine xmlns:a14="http://schemas.microsoft.com/office/drawing/2010/main" w="9525">
+                <a:solidFill>
+                  <a:schemeClr val="tx1"/>
+                </a:solidFill>
+                <a:miter lim="800000"/>
+                <a:headEnd/>
+                <a:tailEnd/>
+              </a14:hiddenLine>
+            </a:ext>
+            <a:ext uri="{AF507438-7753-43E0-B8FC-AC1667EBCBE1}">
+              <a14:hiddenEffects xmlns:a14="http://schemas.microsoft.com/office/drawing/2010/main">
+                <a:effectLst>
+                  <a:outerShdw dist="35921" dir="2700000" algn="ctr" rotWithShape="0">
+                    <a:schemeClr val="bg2"/>
+                  </a:outerShdw>
+                </a:effectLst>
+              </a14:hiddenEffects>
+            </a:ext>
+          </a:extLst>
+        </p:spPr>
+      </p:pic>
       <p:sp>
         <p:nvSpPr>
           <p:cNvPr id="5" name="矩形 4"/>
@@ -6265,220 +6184,131 @@
           </a:p>
         </p:txBody>
       </p:sp>
-      <p:grpSp>
-        <p:nvGrpSpPr>
-          <p:cNvPr id="2" name="组合 1"/>
-          <p:cNvGrpSpPr/>
+      <p:pic>
+        <p:nvPicPr>
+          <p:cNvPr id="60420" name="Picture 4" descr="C:\Users\shuai\Desktop\1254215914175.jpg"/>
+          <p:cNvPicPr>
+            <a:picLocks noChangeAspect="1" noChangeArrowheads="1"/>
+          </p:cNvPicPr>
           <p:nvPr/>
-        </p:nvGrpSpPr>
-        <p:grpSpPr>
-          <a:xfrm>
-            <a:off x="83279" y="1472250"/>
-            <a:ext cx="5977472" cy="4573756"/>
-            <a:chOff x="83279" y="1472250"/>
-            <a:chExt cx="5977472" cy="4573756"/>
-          </a:xfrm>
-        </p:grpSpPr>
-        <p:pic>
-          <p:nvPicPr>
-            <p:cNvPr id="60422" name="Picture 6"/>
-            <p:cNvPicPr>
-              <a:picLocks noChangeAspect="1" noChangeArrowheads="1"/>
-            </p:cNvPicPr>
-            <p:nvPr/>
-          </p:nvPicPr>
-          <p:blipFill>
-            <a:blip r:embed="rId2">
-              <a:clrChange>
-                <a:clrFrom>
-                  <a:srgbClr val="FFFFFF"/>
-                </a:clrFrom>
-                <a:clrTo>
-                  <a:srgbClr val="FFFFFF">
-                    <a:alpha val="0"/>
-                  </a:srgbClr>
-                </a:clrTo>
-              </a:clrChange>
-              <a:extLst>
-                <a:ext uri="{28A0092B-C50C-407E-A947-70E740481C1C}">
-                  <a14:useLocalDpi xmlns:a14="http://schemas.microsoft.com/office/drawing/2010/main" val="0"/>
-                </a:ext>
-              </a:extLst>
-            </a:blip>
-            <a:srcRect/>
-            <a:stretch>
-              <a:fillRect/>
-            </a:stretch>
-          </p:blipFill>
-          <p:spPr bwMode="auto">
-            <a:xfrm>
-              <a:off x="2250751" y="1472250"/>
-              <a:ext cx="3810000" cy="3810000"/>
-            </a:xfrm>
-            <a:prstGeom prst="rect">
-              <a:avLst/>
-            </a:prstGeom>
-            <a:noFill/>
-            <a:ln>
-              <a:noFill/>
-            </a:ln>
-            <a:effectLst/>
+        </p:nvPicPr>
+        <p:blipFill>
+          <a:blip r:embed="rId3" cstate="print">
+            <a:clrChange>
+              <a:clrFrom>
+                <a:srgbClr val="FFFFFF"/>
+              </a:clrFrom>
+              <a:clrTo>
+                <a:srgbClr val="FFFFFF">
+                  <a:alpha val="0"/>
+                </a:srgbClr>
+              </a:clrTo>
+            </a:clrChange>
             <a:extLst>
-              <a:ext uri="{909E8E84-426E-40DD-AFC4-6F175D3DCCD1}">
-                <a14:hiddenFill xmlns:a14="http://schemas.microsoft.com/office/drawing/2010/main">
-                  <a:solidFill>
-                    <a:schemeClr val="accent1"/>
-                  </a:solidFill>
-                </a14:hiddenFill>
-              </a:ext>
-              <a:ext uri="{91240B29-F687-4F45-9708-019B960494DF}">
-                <a14:hiddenLine xmlns:a14="http://schemas.microsoft.com/office/drawing/2010/main" w="9525">
-                  <a:solidFill>
-                    <a:schemeClr val="tx1"/>
-                  </a:solidFill>
-                  <a:miter lim="800000"/>
-                  <a:headEnd/>
-                  <a:tailEnd/>
-                </a14:hiddenLine>
-              </a:ext>
-              <a:ext uri="{AF507438-7753-43E0-B8FC-AC1667EBCBE1}">
-                <a14:hiddenEffects xmlns:a14="http://schemas.microsoft.com/office/drawing/2010/main">
-                  <a:effectLst>
-                    <a:outerShdw dist="35921" dir="2700000" algn="ctr" rotWithShape="0">
-                      <a:schemeClr val="bg2"/>
-                    </a:outerShdw>
-                  </a:effectLst>
-                </a14:hiddenEffects>
+              <a:ext uri="{28A0092B-C50C-407E-A947-70E740481C1C}">
+                <a14:useLocalDpi xmlns:a14="http://schemas.microsoft.com/office/drawing/2010/main" val="0"/>
               </a:ext>
             </a:extLst>
-          </p:spPr>
-        </p:pic>
-        <p:pic>
-          <p:nvPicPr>
-            <p:cNvPr id="60420" name="Picture 4" descr="C:\Users\shuai\Desktop\1254215914175.jpg"/>
-            <p:cNvPicPr>
-              <a:picLocks noChangeAspect="1" noChangeArrowheads="1"/>
-            </p:cNvPicPr>
-            <p:nvPr/>
-          </p:nvPicPr>
-          <p:blipFill>
-            <a:blip r:embed="rId3" cstate="print">
-              <a:clrChange>
-                <a:clrFrom>
+          </a:blip>
+          <a:srcRect/>
+          <a:stretch>
+            <a:fillRect/>
+          </a:stretch>
+        </p:blipFill>
+        <p:spPr bwMode="auto">
+          <a:xfrm>
+            <a:off x="3021472" y="1673634"/>
+            <a:ext cx="773631" cy="1580786"/>
+          </a:xfrm>
+          <a:prstGeom prst="rect">
+            <a:avLst/>
+          </a:prstGeom>
+          <a:noFill/>
+          <a:extLst>
+            <a:ext uri="{909E8E84-426E-40DD-AFC4-6F175D3DCCD1}">
+              <a14:hiddenFill xmlns:a14="http://schemas.microsoft.com/office/drawing/2010/main">
+                <a:solidFill>
                   <a:srgbClr val="FFFFFF"/>
-                </a:clrFrom>
-                <a:clrTo>
-                  <a:srgbClr val="FFFFFF">
-                    <a:alpha val="0"/>
-                  </a:srgbClr>
-                </a:clrTo>
-              </a:clrChange>
-              <a:extLst>
-                <a:ext uri="{28A0092B-C50C-407E-A947-70E740481C1C}">
-                  <a14:useLocalDpi xmlns:a14="http://schemas.microsoft.com/office/drawing/2010/main" val="0"/>
-                </a:ext>
-              </a:extLst>
-            </a:blip>
-            <a:srcRect/>
-            <a:stretch>
-              <a:fillRect/>
-            </a:stretch>
-          </p:blipFill>
-          <p:spPr bwMode="auto">
-            <a:xfrm>
-              <a:off x="3021472" y="1673634"/>
-              <a:ext cx="773631" cy="1580786"/>
-            </a:xfrm>
-            <a:prstGeom prst="rect">
-              <a:avLst/>
-            </a:prstGeom>
-            <a:noFill/>
+                </a:solidFill>
+              </a14:hiddenFill>
+            </a:ext>
+          </a:extLst>
+        </p:spPr>
+      </p:pic>
+      <p:pic>
+        <p:nvPicPr>
+          <p:cNvPr id="60421" name="Picture 5"/>
+          <p:cNvPicPr>
+            <a:picLocks noChangeAspect="1" noChangeArrowheads="1"/>
+          </p:cNvPicPr>
+          <p:nvPr/>
+        </p:nvPicPr>
+        <p:blipFill>
+          <a:blip r:embed="rId4">
+            <a:clrChange>
+              <a:clrFrom>
+                <a:srgbClr val="FFFFFF"/>
+              </a:clrFrom>
+              <a:clrTo>
+                <a:srgbClr val="FFFFFF">
+                  <a:alpha val="0"/>
+                </a:srgbClr>
+              </a:clrTo>
+            </a:clrChange>
             <a:extLst>
-              <a:ext uri="{909E8E84-426E-40DD-AFC4-6F175D3DCCD1}">
-                <a14:hiddenFill xmlns:a14="http://schemas.microsoft.com/office/drawing/2010/main">
-                  <a:solidFill>
-                    <a:srgbClr val="FFFFFF"/>
-                  </a:solidFill>
-                </a14:hiddenFill>
+              <a:ext uri="{28A0092B-C50C-407E-A947-70E740481C1C}">
+                <a14:useLocalDpi xmlns:a14="http://schemas.microsoft.com/office/drawing/2010/main" val="0"/>
               </a:ext>
             </a:extLst>
-          </p:spPr>
-        </p:pic>
-        <p:pic>
-          <p:nvPicPr>
-            <p:cNvPr id="60421" name="Picture 5"/>
-            <p:cNvPicPr>
-              <a:picLocks noChangeAspect="1" noChangeArrowheads="1"/>
-            </p:cNvPicPr>
-            <p:nvPr/>
-          </p:nvPicPr>
-          <p:blipFill>
-            <a:blip r:embed="rId4">
-              <a:clrChange>
-                <a:clrFrom>
-                  <a:srgbClr val="FFFFFF"/>
-                </a:clrFrom>
-                <a:clrTo>
-                  <a:srgbClr val="FFFFFF">
-                    <a:alpha val="0"/>
-                  </a:srgbClr>
-                </a:clrTo>
-              </a:clrChange>
-              <a:extLst>
-                <a:ext uri="{28A0092B-C50C-407E-A947-70E740481C1C}">
-                  <a14:useLocalDpi xmlns:a14="http://schemas.microsoft.com/office/drawing/2010/main" val="0"/>
-                </a:ext>
-              </a:extLst>
-            </a:blip>
-            <a:srcRect/>
-            <a:stretch>
-              <a:fillRect/>
-            </a:stretch>
-          </p:blipFill>
-          <p:spPr bwMode="auto">
-            <a:xfrm>
-              <a:off x="83279" y="2720997"/>
-              <a:ext cx="3325009" cy="3325009"/>
-            </a:xfrm>
-            <a:prstGeom prst="rect">
-              <a:avLst/>
-            </a:prstGeom>
+          </a:blip>
+          <a:srcRect/>
+          <a:stretch>
+            <a:fillRect/>
+          </a:stretch>
+        </p:blipFill>
+        <p:spPr bwMode="auto">
+          <a:xfrm>
+            <a:off x="83279" y="2720997"/>
+            <a:ext cx="3325009" cy="3325009"/>
+          </a:xfrm>
+          <a:prstGeom prst="rect">
+            <a:avLst/>
+          </a:prstGeom>
+          <a:noFill/>
+          <a:ln>
             <a:noFill/>
-            <a:ln>
-              <a:noFill/>
-            </a:ln>
-            <a:effectLst/>
-            <a:extLst>
-              <a:ext uri="{909E8E84-426E-40DD-AFC4-6F175D3DCCD1}">
-                <a14:hiddenFill xmlns:a14="http://schemas.microsoft.com/office/drawing/2010/main">
-                  <a:solidFill>
-                    <a:schemeClr val="accent1"/>
-                  </a:solidFill>
-                </a14:hiddenFill>
-              </a:ext>
-              <a:ext uri="{91240B29-F687-4F45-9708-019B960494DF}">
-                <a14:hiddenLine xmlns:a14="http://schemas.microsoft.com/office/drawing/2010/main" w="9525">
-                  <a:solidFill>
-                    <a:schemeClr val="tx1"/>
-                  </a:solidFill>
-                  <a:miter lim="800000"/>
-                  <a:headEnd/>
-                  <a:tailEnd/>
-                </a14:hiddenLine>
-              </a:ext>
-              <a:ext uri="{AF507438-7753-43E0-B8FC-AC1667EBCBE1}">
-                <a14:hiddenEffects xmlns:a14="http://schemas.microsoft.com/office/drawing/2010/main">
-                  <a:effectLst>
-                    <a:outerShdw dist="35921" dir="2700000" algn="ctr" rotWithShape="0">
-                      <a:schemeClr val="bg2"/>
-                    </a:outerShdw>
-                  </a:effectLst>
-                </a14:hiddenEffects>
-              </a:ext>
-            </a:extLst>
-          </p:spPr>
-        </p:pic>
-      </p:grpSp>
+          </a:ln>
+          <a:effectLst/>
+          <a:extLst>
+            <a:ext uri="{909E8E84-426E-40DD-AFC4-6F175D3DCCD1}">
+              <a14:hiddenFill xmlns:a14="http://schemas.microsoft.com/office/drawing/2010/main">
+                <a:solidFill>
+                  <a:schemeClr val="accent1"/>
+                </a:solidFill>
+              </a14:hiddenFill>
+            </a:ext>
+            <a:ext uri="{91240B29-F687-4F45-9708-019B960494DF}">
+              <a14:hiddenLine xmlns:a14="http://schemas.microsoft.com/office/drawing/2010/main" w="9525">
+                <a:solidFill>
+                  <a:schemeClr val="tx1"/>
+                </a:solidFill>
+                <a:miter lim="800000"/>
+                <a:headEnd/>
+                <a:tailEnd/>
+              </a14:hiddenLine>
+            </a:ext>
+            <a:ext uri="{AF507438-7753-43E0-B8FC-AC1667EBCBE1}">
+              <a14:hiddenEffects xmlns:a14="http://schemas.microsoft.com/office/drawing/2010/main">
+                <a:effectLst>
+                  <a:outerShdw dist="35921" dir="2700000" algn="ctr" rotWithShape="0">
+                    <a:schemeClr val="bg2"/>
+                  </a:outerShdw>
+                </a:effectLst>
+              </a14:hiddenEffects>
+            </a:ext>
+          </a:extLst>
+        </p:spPr>
+      </p:pic>
     </p:spTree>
     <p:extLst>
       <p:ext uri="{BB962C8B-B14F-4D97-AF65-F5344CB8AC3E}">
@@ -6504,172 +6334,9 @@
   <p:timing>
     <p:tnLst>
       <p:par>
-        <p:cTn id="1" dur="indefinite" restart="never" nodeType="tmRoot">
-          <p:childTnLst>
-            <p:seq concurrent="1" nextAc="seek">
-              <p:cTn id="2" dur="indefinite" nodeType="mainSeq">
-                <p:childTnLst>
-                  <p:par>
-                    <p:cTn id="3" fill="hold">
-                      <p:stCondLst>
-                        <p:cond delay="indefinite"/>
-                        <p:cond evt="onBegin" delay="0">
-                          <p:tn val="2"/>
-                        </p:cond>
-                      </p:stCondLst>
-                      <p:childTnLst>
-                        <p:par>
-                          <p:cTn id="4" fill="hold">
-                            <p:stCondLst>
-                              <p:cond delay="0"/>
-                            </p:stCondLst>
-                            <p:childTnLst>
-                              <p:par>
-                                <p:cTn id="5" presetID="42" presetClass="entr" presetSubtype="0" fill="hold" grpId="0" nodeType="afterEffect">
-                                  <p:stCondLst>
-                                    <p:cond delay="0"/>
-                                  </p:stCondLst>
-                                  <p:childTnLst>
-                                    <p:set>
-                                      <p:cBhvr>
-                                        <p:cTn id="6" dur="1" fill="hold">
-                                          <p:stCondLst>
-                                            <p:cond delay="0"/>
-                                          </p:stCondLst>
-                                        </p:cTn>
-                                        <p:tgtEl>
-                                          <p:spTgt spid="5"/>
-                                        </p:tgtEl>
-                                        <p:attrNameLst>
-                                          <p:attrName>style.visibility</p:attrName>
-                                        </p:attrNameLst>
-                                      </p:cBhvr>
-                                      <p:to>
-                                        <p:strVal val="visible"/>
-                                      </p:to>
-                                    </p:set>
-                                    <p:animEffect transition="in" filter="fade">
-                                      <p:cBhvr>
-                                        <p:cTn id="7" dur="1000"/>
-                                        <p:tgtEl>
-                                          <p:spTgt spid="5"/>
-                                        </p:tgtEl>
-                                      </p:cBhvr>
-                                    </p:animEffect>
-                                    <p:anim calcmode="lin" valueType="num">
-                                      <p:cBhvr>
-                                        <p:cTn id="8" dur="1000" fill="hold"/>
-                                        <p:tgtEl>
-                                          <p:spTgt spid="5"/>
-                                        </p:tgtEl>
-                                        <p:attrNameLst>
-                                          <p:attrName>ppt_x</p:attrName>
-                                        </p:attrNameLst>
-                                      </p:cBhvr>
-                                      <p:tavLst>
-                                        <p:tav tm="0">
-                                          <p:val>
-                                            <p:strVal val="#ppt_x"/>
-                                          </p:val>
-                                        </p:tav>
-                                        <p:tav tm="100000">
-                                          <p:val>
-                                            <p:strVal val="#ppt_x"/>
-                                          </p:val>
-                                        </p:tav>
-                                      </p:tavLst>
-                                    </p:anim>
-                                    <p:anim calcmode="lin" valueType="num">
-                                      <p:cBhvr>
-                                        <p:cTn id="9" dur="1000" fill="hold"/>
-                                        <p:tgtEl>
-                                          <p:spTgt spid="5"/>
-                                        </p:tgtEl>
-                                        <p:attrNameLst>
-                                          <p:attrName>ppt_y</p:attrName>
-                                        </p:attrNameLst>
-                                      </p:cBhvr>
-                                      <p:tavLst>
-                                        <p:tav tm="0">
-                                          <p:val>
-                                            <p:strVal val="#ppt_y+.1"/>
-                                          </p:val>
-                                        </p:tav>
-                                        <p:tav tm="100000">
-                                          <p:val>
-                                            <p:strVal val="#ppt_y"/>
-                                          </p:val>
-                                        </p:tav>
-                                      </p:tavLst>
-                                    </p:anim>
-                                  </p:childTnLst>
-                                </p:cTn>
-                              </p:par>
-                              <p:par>
-                                <p:cTn id="10" presetID="22" presetClass="entr" presetSubtype="4" fill="hold" nodeType="withEffect">
-                                  <p:stCondLst>
-                                    <p:cond delay="0"/>
-                                  </p:stCondLst>
-                                  <p:childTnLst>
-                                    <p:set>
-                                      <p:cBhvr>
-                                        <p:cTn id="11" dur="1" fill="hold">
-                                          <p:stCondLst>
-                                            <p:cond delay="0"/>
-                                          </p:stCondLst>
-                                        </p:cTn>
-                                        <p:tgtEl>
-                                          <p:spTgt spid="2"/>
-                                        </p:tgtEl>
-                                        <p:attrNameLst>
-                                          <p:attrName>style.visibility</p:attrName>
-                                        </p:attrNameLst>
-                                      </p:cBhvr>
-                                      <p:to>
-                                        <p:strVal val="visible"/>
-                                      </p:to>
-                                    </p:set>
-                                    <p:animEffect transition="in" filter="wipe(down)">
-                                      <p:cBhvr>
-                                        <p:cTn id="12" dur="1000"/>
-                                        <p:tgtEl>
-                                          <p:spTgt spid="2"/>
-                                        </p:tgtEl>
-                                      </p:cBhvr>
-                                    </p:animEffect>
-                                  </p:childTnLst>
-                                </p:cTn>
-                              </p:par>
-                            </p:childTnLst>
-                          </p:cTn>
-                        </p:par>
-                      </p:childTnLst>
-                    </p:cTn>
-                  </p:par>
-                </p:childTnLst>
-              </p:cTn>
-              <p:prevCondLst>
-                <p:cond evt="onPrev" delay="0">
-                  <p:tgtEl>
-                    <p:sldTgt/>
-                  </p:tgtEl>
-                </p:cond>
-              </p:prevCondLst>
-              <p:nextCondLst>
-                <p:cond evt="onNext" delay="0">
-                  <p:tgtEl>
-                    <p:sldTgt/>
-                  </p:tgtEl>
-                </p:cond>
-              </p:nextCondLst>
-            </p:seq>
-          </p:childTnLst>
-        </p:cTn>
+        <p:cTn id="1" dur="indefinite" restart="never" nodeType="tmRoot"/>
       </p:par>
     </p:tnLst>
-    <p:bldLst>
-      <p:bldP spid="5" grpId="0"/>
-    </p:bldLst>
   </p:timing>
 </p:sld>
 </file>
@@ -6916,126 +6583,9 @@
   <p:timing>
     <p:tnLst>
       <p:par>
-        <p:cTn id="1" dur="indefinite" restart="never" nodeType="tmRoot">
-          <p:childTnLst>
-            <p:seq concurrent="1" nextAc="seek">
-              <p:cTn id="2" dur="indefinite" nodeType="mainSeq">
-                <p:childTnLst>
-                  <p:par>
-                    <p:cTn id="3" fill="hold">
-                      <p:stCondLst>
-                        <p:cond delay="indefinite"/>
-                        <p:cond evt="onBegin" delay="0">
-                          <p:tn val="2"/>
-                        </p:cond>
-                      </p:stCondLst>
-                      <p:childTnLst>
-                        <p:par>
-                          <p:cTn id="4" fill="hold">
-                            <p:stCondLst>
-                              <p:cond delay="0"/>
-                            </p:stCondLst>
-                            <p:childTnLst>
-                              <p:par>
-                                <p:cTn id="5" presetID="16" presetClass="entr" presetSubtype="21" fill="hold" grpId="0" nodeType="afterEffect">
-                                  <p:stCondLst>
-                                    <p:cond delay="0"/>
-                                  </p:stCondLst>
-                                  <p:childTnLst>
-                                    <p:set>
-                                      <p:cBhvr>
-                                        <p:cTn id="6" dur="1" fill="hold">
-                                          <p:stCondLst>
-                                            <p:cond delay="0"/>
-                                          </p:stCondLst>
-                                        </p:cTn>
-                                        <p:tgtEl>
-                                          <p:spTgt spid="5"/>
-                                        </p:tgtEl>
-                                        <p:attrNameLst>
-                                          <p:attrName>style.visibility</p:attrName>
-                                        </p:attrNameLst>
-                                      </p:cBhvr>
-                                      <p:to>
-                                        <p:strVal val="visible"/>
-                                      </p:to>
-                                    </p:set>
-                                    <p:animEffect transition="in" filter="barn(inVertical)">
-                                      <p:cBhvr>
-                                        <p:cTn id="7" dur="500"/>
-                                        <p:tgtEl>
-                                          <p:spTgt spid="5"/>
-                                        </p:tgtEl>
-                                      </p:cBhvr>
-                                    </p:animEffect>
-                                  </p:childTnLst>
-                                </p:cTn>
-                              </p:par>
-                              <p:par>
-                                <p:cTn id="8" presetID="6" presetClass="entr" presetSubtype="16" fill="hold" nodeType="withEffect">
-                                  <p:stCondLst>
-                                    <p:cond delay="0"/>
-                                  </p:stCondLst>
-                                  <p:childTnLst>
-                                    <p:set>
-                                      <p:cBhvr>
-                                        <p:cTn id="9" dur="1" fill="hold">
-                                          <p:stCondLst>
-                                            <p:cond delay="0"/>
-                                          </p:stCondLst>
-                                        </p:cTn>
-                                        <p:tgtEl>
-                                          <p:spTgt spid="61443"/>
-                                        </p:tgtEl>
-                                        <p:attrNameLst>
-                                          <p:attrName>style.visibility</p:attrName>
-                                        </p:attrNameLst>
-                                      </p:cBhvr>
-                                      <p:to>
-                                        <p:strVal val="visible"/>
-                                      </p:to>
-                                    </p:set>
-                                    <p:animEffect transition="in" filter="circle(in)">
-                                      <p:cBhvr>
-                                        <p:cTn id="10" dur="2000"/>
-                                        <p:tgtEl>
-                                          <p:spTgt spid="61443"/>
-                                        </p:tgtEl>
-                                      </p:cBhvr>
-                                    </p:animEffect>
-                                  </p:childTnLst>
-                                </p:cTn>
-                              </p:par>
-                            </p:childTnLst>
-                          </p:cTn>
-                        </p:par>
-                      </p:childTnLst>
-                    </p:cTn>
-                  </p:par>
-                </p:childTnLst>
-              </p:cTn>
-              <p:prevCondLst>
-                <p:cond evt="onPrev" delay="0">
-                  <p:tgtEl>
-                    <p:sldTgt/>
-                  </p:tgtEl>
-                </p:cond>
-              </p:prevCondLst>
-              <p:nextCondLst>
-                <p:cond evt="onNext" delay="0">
-                  <p:tgtEl>
-                    <p:sldTgt/>
-                  </p:tgtEl>
-                </p:cond>
-              </p:nextCondLst>
-            </p:seq>
-          </p:childTnLst>
-        </p:cTn>
+        <p:cTn id="1" dur="indefinite" restart="never" nodeType="tmRoot"/>
       </p:par>
     </p:tnLst>
-    <p:bldLst>
-      <p:bldP spid="5" grpId="0"/>
-    </p:bldLst>
   </p:timing>
 </p:sld>
 </file>
@@ -8114,7 +7664,7 @@
       </p:grpSpPr>
       <p:pic>
         <p:nvPicPr>
-          <p:cNvPr id="66566" name="Picture 6"/>
+          <p:cNvPr id="67586" name="Picture 2" descr="C:\Users\shuai\Desktop\5490569_150453778668_2.jpg"/>
           <p:cNvPicPr>
             <a:picLocks noChangeAspect="1" noChangeArrowheads="1"/>
           </p:cNvPicPr>
@@ -8145,43 +7695,20 @@
         </p:blipFill>
         <p:spPr bwMode="auto">
           <a:xfrm>
-            <a:off x="1871725" y="2330498"/>
-            <a:ext cx="3137003" cy="3754118"/>
+            <a:off x="0" y="-457200"/>
+            <a:ext cx="7563634" cy="7563634"/>
           </a:xfrm>
           <a:prstGeom prst="rect">
             <a:avLst/>
           </a:prstGeom>
           <a:noFill/>
-          <a:ln>
-            <a:noFill/>
-          </a:ln>
-          <a:effectLst/>
           <a:extLst>
             <a:ext uri="{909E8E84-426E-40DD-AFC4-6F175D3DCCD1}">
               <a14:hiddenFill xmlns:a14="http://schemas.microsoft.com/office/drawing/2010/main">
                 <a:solidFill>
-                  <a:schemeClr val="accent1"/>
+                  <a:srgbClr val="FFFFFF"/>
                 </a:solidFill>
               </a14:hiddenFill>
-            </a:ext>
-            <a:ext uri="{91240B29-F687-4F45-9708-019B960494DF}">
-              <a14:hiddenLine xmlns:a14="http://schemas.microsoft.com/office/drawing/2010/main" w="9525">
-                <a:solidFill>
-                  <a:schemeClr val="tx1"/>
-                </a:solidFill>
-                <a:miter lim="800000"/>
-                <a:headEnd/>
-                <a:tailEnd/>
-              </a14:hiddenLine>
-            </a:ext>
-            <a:ext uri="{AF507438-7753-43E0-B8FC-AC1667EBCBE1}">
-              <a14:hiddenEffects xmlns:a14="http://schemas.microsoft.com/office/drawing/2010/main">
-                <a:effectLst>
-                  <a:outerShdw dist="35921" dir="2700000" algn="ctr" rotWithShape="0">
-                    <a:schemeClr val="bg2"/>
-                  </a:outerShdw>
-                </a:effectLst>
-              </a14:hiddenEffects>
             </a:ext>
           </a:extLst>
         </p:spPr>
@@ -8336,108 +7863,6 @@
           </a:p>
         </p:txBody>
       </p:sp>
-      <p:pic>
-        <p:nvPicPr>
-          <p:cNvPr id="66562" name="Picture 2" descr="C:\Users\shuai\Desktop\图片9.jpg"/>
-          <p:cNvPicPr>
-            <a:picLocks noChangeAspect="1" noChangeArrowheads="1"/>
-          </p:cNvPicPr>
-          <p:nvPr/>
-        </p:nvPicPr>
-        <p:blipFill>
-          <a:blip r:embed="rId3">
-            <a:clrChange>
-              <a:clrFrom>
-                <a:srgbClr val="FFFFFF"/>
-              </a:clrFrom>
-              <a:clrTo>
-                <a:srgbClr val="FFFFFF">
-                  <a:alpha val="0"/>
-                </a:srgbClr>
-              </a:clrTo>
-            </a:clrChange>
-            <a:extLst>
-              <a:ext uri="{28A0092B-C50C-407E-A947-70E740481C1C}">
-                <a14:useLocalDpi xmlns:a14="http://schemas.microsoft.com/office/drawing/2010/main" val="0"/>
-              </a:ext>
-            </a:extLst>
-          </a:blip>
-          <a:srcRect/>
-          <a:stretch>
-            <a:fillRect/>
-          </a:stretch>
-        </p:blipFill>
-        <p:spPr bwMode="auto">
-          <a:xfrm>
-            <a:off x="2130804" y="3144867"/>
-            <a:ext cx="1457078" cy="1446793"/>
-          </a:xfrm>
-          <a:prstGeom prst="rect">
-            <a:avLst/>
-          </a:prstGeom>
-          <a:noFill/>
-          <a:extLst>
-            <a:ext uri="{909E8E84-426E-40DD-AFC4-6F175D3DCCD1}">
-              <a14:hiddenFill xmlns:a14="http://schemas.microsoft.com/office/drawing/2010/main">
-                <a:solidFill>
-                  <a:srgbClr val="FFFFFF"/>
-                </a:solidFill>
-              </a14:hiddenFill>
-            </a:ext>
-          </a:extLst>
-        </p:spPr>
-      </p:pic>
-      <p:pic>
-        <p:nvPicPr>
-          <p:cNvPr id="66563" name="Picture 3" descr="C:\Users\shuai\Desktop\图片10.jpg"/>
-          <p:cNvPicPr>
-            <a:picLocks noChangeAspect="1" noChangeArrowheads="1"/>
-          </p:cNvPicPr>
-          <p:nvPr/>
-        </p:nvPicPr>
-        <p:blipFill>
-          <a:blip r:embed="rId4">
-            <a:clrChange>
-              <a:clrFrom>
-                <a:srgbClr val="FFFFFF"/>
-              </a:clrFrom>
-              <a:clrTo>
-                <a:srgbClr val="FFFFFF">
-                  <a:alpha val="0"/>
-                </a:srgbClr>
-              </a:clrTo>
-            </a:clrChange>
-            <a:extLst>
-              <a:ext uri="{28A0092B-C50C-407E-A947-70E740481C1C}">
-                <a14:useLocalDpi xmlns:a14="http://schemas.microsoft.com/office/drawing/2010/main" val="0"/>
-              </a:ext>
-            </a:extLst>
-          </a:blip>
-          <a:srcRect/>
-          <a:stretch>
-            <a:fillRect/>
-          </a:stretch>
-        </p:blipFill>
-        <p:spPr bwMode="auto">
-          <a:xfrm>
-            <a:off x="2877056" y="3011518"/>
-            <a:ext cx="2099907" cy="1734780"/>
-          </a:xfrm>
-          <a:prstGeom prst="rect">
-            <a:avLst/>
-          </a:prstGeom>
-          <a:noFill/>
-          <a:extLst>
-            <a:ext uri="{909E8E84-426E-40DD-AFC4-6F175D3DCCD1}">
-              <a14:hiddenFill xmlns:a14="http://schemas.microsoft.com/office/drawing/2010/main">
-                <a:solidFill>
-                  <a:srgbClr val="FFFFFF"/>
-                </a:solidFill>
-              </a14:hiddenFill>
-            </a:ext>
-          </a:extLst>
-        </p:spPr>
-      </p:pic>
     </p:spTree>
     <p:extLst>
       <p:ext uri="{BB962C8B-B14F-4D97-AF65-F5344CB8AC3E}">
@@ -8463,278 +7888,7 @@
   <p:timing>
     <p:tnLst>
       <p:par>
-        <p:cTn id="1" dur="indefinite" restart="never" nodeType="tmRoot">
-          <p:childTnLst>
-            <p:seq concurrent="1" nextAc="seek">
-              <p:cTn id="2" dur="indefinite" nodeType="mainSeq">
-                <p:childTnLst>
-                  <p:par>
-                    <p:cTn id="3" fill="hold">
-                      <p:stCondLst>
-                        <p:cond delay="indefinite"/>
-                        <p:cond evt="onBegin" delay="0">
-                          <p:tn val="2"/>
-                        </p:cond>
-                      </p:stCondLst>
-                      <p:childTnLst>
-                        <p:par>
-                          <p:cTn id="4" fill="hold">
-                            <p:stCondLst>
-                              <p:cond delay="0"/>
-                            </p:stCondLst>
-                            <p:childTnLst>
-                              <p:par>
-                                <p:cTn id="5" presetID="1" presetClass="entr" presetSubtype="0" fill="hold" nodeType="afterEffect">
-                                  <p:stCondLst>
-                                    <p:cond delay="0"/>
-                                  </p:stCondLst>
-                                  <p:childTnLst>
-                                    <p:set>
-                                      <p:cBhvr>
-                                        <p:cTn id="6" dur="1" fill="hold">
-                                          <p:stCondLst>
-                                            <p:cond delay="0"/>
-                                          </p:stCondLst>
-                                        </p:cTn>
-                                        <p:tgtEl>
-                                          <p:spTgt spid="66562"/>
-                                        </p:tgtEl>
-                                        <p:attrNameLst>
-                                          <p:attrName>style.visibility</p:attrName>
-                                        </p:attrNameLst>
-                                      </p:cBhvr>
-                                      <p:to>
-                                        <p:strVal val="visible"/>
-                                      </p:to>
-                                    </p:set>
-                                  </p:childTnLst>
-                                </p:cTn>
-                              </p:par>
-                            </p:childTnLst>
-                          </p:cTn>
-                        </p:par>
-                        <p:par>
-                          <p:cTn id="7" fill="hold">
-                            <p:stCondLst>
-                              <p:cond delay="0"/>
-                            </p:stCondLst>
-                            <p:childTnLst>
-                              <p:par>
-                                <p:cTn id="8" presetID="1" presetClass="entr" presetSubtype="0" fill="hold" nodeType="afterEffect">
-                                  <p:stCondLst>
-                                    <p:cond delay="0"/>
-                                  </p:stCondLst>
-                                  <p:childTnLst>
-                                    <p:set>
-                                      <p:cBhvr>
-                                        <p:cTn id="9" dur="1" fill="hold">
-                                          <p:stCondLst>
-                                            <p:cond delay="0"/>
-                                          </p:stCondLst>
-                                        </p:cTn>
-                                        <p:tgtEl>
-                                          <p:spTgt spid="66563"/>
-                                        </p:tgtEl>
-                                        <p:attrNameLst>
-                                          <p:attrName>style.visibility</p:attrName>
-                                        </p:attrNameLst>
-                                      </p:cBhvr>
-                                      <p:to>
-                                        <p:strVal val="visible"/>
-                                      </p:to>
-                                    </p:set>
-                                  </p:childTnLst>
-                                </p:cTn>
-                              </p:par>
-                            </p:childTnLst>
-                          </p:cTn>
-                        </p:par>
-                        <p:par>
-                          <p:cTn id="10" fill="hold">
-                            <p:stCondLst>
-                              <p:cond delay="0"/>
-                            </p:stCondLst>
-                            <p:childTnLst>
-                              <p:par>
-                                <p:cTn id="11" presetID="2" presetClass="exit" presetSubtype="9" fill="hold" nodeType="afterEffect">
-                                  <p:stCondLst>
-                                    <p:cond delay="0"/>
-                                  </p:stCondLst>
-                                  <p:childTnLst>
-                                    <p:anim calcmode="lin" valueType="num">
-                                      <p:cBhvr additive="base">
-                                        <p:cTn id="12" dur="1000"/>
-                                        <p:tgtEl>
-                                          <p:spTgt spid="66562"/>
-                                        </p:tgtEl>
-                                        <p:attrNameLst>
-                                          <p:attrName>ppt_x</p:attrName>
-                                        </p:attrNameLst>
-                                      </p:cBhvr>
-                                      <p:tavLst>
-                                        <p:tav tm="0">
-                                          <p:val>
-                                            <p:strVal val="ppt_x"/>
-                                          </p:val>
-                                        </p:tav>
-                                        <p:tav tm="100000">
-                                          <p:val>
-                                            <p:strVal val="0-ppt_w/2"/>
-                                          </p:val>
-                                        </p:tav>
-                                      </p:tavLst>
-                                    </p:anim>
-                                    <p:anim calcmode="lin" valueType="num">
-                                      <p:cBhvr additive="base">
-                                        <p:cTn id="13" dur="1000"/>
-                                        <p:tgtEl>
-                                          <p:spTgt spid="66562"/>
-                                        </p:tgtEl>
-                                        <p:attrNameLst>
-                                          <p:attrName>ppt_y</p:attrName>
-                                        </p:attrNameLst>
-                                      </p:cBhvr>
-                                      <p:tavLst>
-                                        <p:tav tm="0">
-                                          <p:val>
-                                            <p:strVal val="ppt_y"/>
-                                          </p:val>
-                                        </p:tav>
-                                        <p:tav tm="100000">
-                                          <p:val>
-                                            <p:strVal val="0-ppt_h/2"/>
-                                          </p:val>
-                                        </p:tav>
-                                      </p:tavLst>
-                                    </p:anim>
-                                    <p:set>
-                                      <p:cBhvr>
-                                        <p:cTn id="14" dur="1" fill="hold">
-                                          <p:stCondLst>
-                                            <p:cond delay="999"/>
-                                          </p:stCondLst>
-                                        </p:cTn>
-                                        <p:tgtEl>
-                                          <p:spTgt spid="66562"/>
-                                        </p:tgtEl>
-                                        <p:attrNameLst>
-                                          <p:attrName>style.visibility</p:attrName>
-                                        </p:attrNameLst>
-                                      </p:cBhvr>
-                                      <p:to>
-                                        <p:strVal val="hidden"/>
-                                      </p:to>
-                                    </p:set>
-                                  </p:childTnLst>
-                                </p:cTn>
-                              </p:par>
-                            </p:childTnLst>
-                          </p:cTn>
-                        </p:par>
-                        <p:par>
-                          <p:cTn id="15" fill="hold">
-                            <p:stCondLst>
-                              <p:cond delay="1000"/>
-                            </p:stCondLst>
-                            <p:childTnLst>
-                              <p:par>
-                                <p:cTn id="16" presetID="2" presetClass="exit" presetSubtype="3" fill="hold" nodeType="afterEffect">
-                                  <p:stCondLst>
-                                    <p:cond delay="0"/>
-                                  </p:stCondLst>
-                                  <p:childTnLst>
-                                    <p:anim calcmode="lin" valueType="num">
-                                      <p:cBhvr additive="base">
-                                        <p:cTn id="17" dur="1000"/>
-                                        <p:tgtEl>
-                                          <p:spTgt spid="66563"/>
-                                        </p:tgtEl>
-                                        <p:attrNameLst>
-                                          <p:attrName>ppt_x</p:attrName>
-                                        </p:attrNameLst>
-                                      </p:cBhvr>
-                                      <p:tavLst>
-                                        <p:tav tm="0">
-                                          <p:val>
-                                            <p:strVal val="ppt_x"/>
-                                          </p:val>
-                                        </p:tav>
-                                        <p:tav tm="100000">
-                                          <p:val>
-                                            <p:strVal val="1+ppt_w/2"/>
-                                          </p:val>
-                                        </p:tav>
-                                      </p:tavLst>
-                                    </p:anim>
-                                    <p:anim calcmode="lin" valueType="num">
-                                      <p:cBhvr additive="base">
-                                        <p:cTn id="18" dur="1000"/>
-                                        <p:tgtEl>
-                                          <p:spTgt spid="66563"/>
-                                        </p:tgtEl>
-                                        <p:attrNameLst>
-                                          <p:attrName>ppt_y</p:attrName>
-                                        </p:attrNameLst>
-                                      </p:cBhvr>
-                                      <p:tavLst>
-                                        <p:tav tm="0">
-                                          <p:val>
-                                            <p:strVal val="ppt_y"/>
-                                          </p:val>
-                                        </p:tav>
-                                        <p:tav tm="100000">
-                                          <p:val>
-                                            <p:strVal val="0-ppt_h/2"/>
-                                          </p:val>
-                                        </p:tav>
-                                      </p:tavLst>
-                                    </p:anim>
-                                    <p:set>
-                                      <p:cBhvr>
-                                        <p:cTn id="19" dur="1" fill="hold">
-                                          <p:stCondLst>
-                                            <p:cond delay="999"/>
-                                          </p:stCondLst>
-                                        </p:cTn>
-                                        <p:tgtEl>
-                                          <p:spTgt spid="66563"/>
-                                        </p:tgtEl>
-                                        <p:attrNameLst>
-                                          <p:attrName>style.visibility</p:attrName>
-                                        </p:attrNameLst>
-                                      </p:cBhvr>
-                                      <p:to>
-                                        <p:strVal val="hidden"/>
-                                      </p:to>
-                                    </p:set>
-                                  </p:childTnLst>
-                                </p:cTn>
-                              </p:par>
-                            </p:childTnLst>
-                          </p:cTn>
-                        </p:par>
-                      </p:childTnLst>
-                    </p:cTn>
-                  </p:par>
-                </p:childTnLst>
-              </p:cTn>
-              <p:prevCondLst>
-                <p:cond evt="onPrev" delay="0">
-                  <p:tgtEl>
-                    <p:sldTgt/>
-                  </p:tgtEl>
-                </p:cond>
-              </p:prevCondLst>
-              <p:nextCondLst>
-                <p:cond evt="onNext" delay="0">
-                  <p:tgtEl>
-                    <p:sldTgt/>
-                  </p:tgtEl>
-                </p:cond>
-              </p:nextCondLst>
-            </p:seq>
-          </p:childTnLst>
-        </p:cTn>
+        <p:cTn id="1" dur="indefinite" restart="never" nodeType="tmRoot"/>
       </p:par>
     </p:tnLst>
   </p:timing>
@@ -10014,7 +9168,7 @@
           <a:graphicData uri="http://schemas.openxmlformats.org/presentationml/2006/ole">
             <mc:AlternateContent xmlns:mc="http://schemas.openxmlformats.org/markup-compatibility/2006">
               <mc:Choice xmlns:v="urn:schemas-microsoft-com:vml" Requires="v">
-                <p:oleObj spid="_x0000_s62488" name="Visio" r:id="rId3" imgW="10095354" imgH="6082219" progId="Visio.Drawing.11">
+                <p:oleObj spid="_x0000_s62487" name="Visio" r:id="rId3" imgW="10095354" imgH="6082219" progId="Visio.Drawing.11">
                   <p:embed/>
                 </p:oleObj>
               </mc:Choice>
@@ -10243,7 +9397,7 @@
           <a:graphicData uri="http://schemas.openxmlformats.org/presentationml/2006/ole">
             <mc:AlternateContent xmlns:mc="http://schemas.openxmlformats.org/markup-compatibility/2006">
               <mc:Choice xmlns:v="urn:schemas-microsoft-com:vml" Requires="v">
-                <p:oleObj spid="_x0000_s65561" name="Visio" r:id="rId3" imgW="9134559" imgH="7184147" progId="Visio.Drawing.11">
+                <p:oleObj spid="_x0000_s65560" name="Visio" r:id="rId3" imgW="9134559" imgH="7184147" progId="Visio.Drawing.11">
                   <p:embed/>
                 </p:oleObj>
               </mc:Choice>
@@ -12767,34 +11921,134 @@
       </p:grpSpPr>
       <p:sp>
         <p:nvSpPr>
-          <p:cNvPr id="2" name="TextBox 1"/>
-          <p:cNvSpPr txBox="1"/>
+          <p:cNvPr id="3" name="Rectangle 2"/>
+          <p:cNvSpPr>
+            <a:spLocks noChangeArrowheads="1"/>
+          </p:cNvSpPr>
           <p:nvPr/>
         </p:nvSpPr>
-        <p:spPr>
-          <a:xfrm>
-            <a:off x="1378424" y="1078173"/>
-            <a:ext cx="3575713" cy="369332"/>
+        <p:spPr bwMode="auto">
+          <a:xfrm>
+            <a:off x="0" y="0"/>
+            <a:ext cx="9144000" cy="457200"/>
           </a:xfrm>
           <a:prstGeom prst="rect">
             <a:avLst/>
           </a:prstGeom>
           <a:noFill/>
-        </p:spPr>
-        <p:txBody>
-          <a:bodyPr wrap="square" rtlCol="0">
+          <a:ln>
+            <a:noFill/>
+          </a:ln>
+          <a:effectLst/>
+          <a:extLst>
+            <a:ext uri="{909E8E84-426E-40DD-AFC4-6F175D3DCCD1}">
+              <a14:hiddenFill xmlns:a14="http://schemas.microsoft.com/office/drawing/2010/main">
+                <a:solidFill>
+                  <a:schemeClr val="accent1"/>
+                </a:solidFill>
+              </a14:hiddenFill>
+            </a:ext>
+            <a:ext uri="{91240B29-F687-4F45-9708-019B960494DF}">
+              <a14:hiddenLine xmlns:a14="http://schemas.microsoft.com/office/drawing/2010/main" w="9525">
+                <a:solidFill>
+                  <a:schemeClr val="tx1"/>
+                </a:solidFill>
+                <a:miter lim="800000"/>
+                <a:headEnd/>
+                <a:tailEnd/>
+              </a14:hiddenLine>
+            </a:ext>
+            <a:ext uri="{AF507438-7753-43E0-B8FC-AC1667EBCBE1}">
+              <a14:hiddenEffects xmlns:a14="http://schemas.microsoft.com/office/drawing/2010/main">
+                <a:effectLst>
+                  <a:outerShdw dist="35921" dir="2700000" algn="ctr" rotWithShape="0">
+                    <a:schemeClr val="bg2"/>
+                  </a:outerShdw>
+                </a:effectLst>
+              </a14:hiddenEffects>
+            </a:ext>
+          </a:extLst>
+        </p:spPr>
+        <p:txBody>
+          <a:bodyPr vert="horz" wrap="none" lIns="91440" tIns="45720" rIns="91440" bIns="45720" numCol="1" anchor="ctr" anchorCtr="0" compatLnSpc="1">
+            <a:prstTxWarp prst="textNoShape">
+              <a:avLst/>
+            </a:prstTxWarp>
             <a:spAutoFit/>
           </a:bodyPr>
           <a:lstStyle/>
           <a:p>
-            <a:r>
-              <a:rPr lang="zh-CN" altLang="en-US" dirty="0" smtClean="0"/>
-              <a:t>系统结构</a:t>
-            </a:r>
-            <a:endParaRPr lang="zh-CN" altLang="en-US" dirty="0"/>
-          </a:p>
-        </p:txBody>
-      </p:sp>
+            <a:endParaRPr lang="zh-CN" altLang="en-US"/>
+          </a:p>
+        </p:txBody>
+      </p:sp>
+      <p:graphicFrame>
+        <p:nvGraphicFramePr>
+          <p:cNvPr id="4" name="对象 3"/>
+          <p:cNvGraphicFramePr>
+            <a:graphicFrameLocks noChangeAspect="1"/>
+          </p:cNvGraphicFramePr>
+          <p:nvPr>
+            <p:extLst>
+              <p:ext uri="{D42A27DB-BD31-4B8C-83A1-F6EECF244321}">
+                <p14:modId xmlns:p14="http://schemas.microsoft.com/office/powerpoint/2010/main" val="2564922341"/>
+              </p:ext>
+            </p:extLst>
+          </p:nvPr>
+        </p:nvGraphicFramePr>
+        <p:xfrm>
+          <a:off x="1815151" y="0"/>
+          <a:ext cx="4804013" cy="6854189"/>
+        </p:xfrm>
+        <a:graphic>
+          <a:graphicData uri="http://schemas.openxmlformats.org/presentationml/2006/ole">
+            <mc:AlternateContent xmlns:mc="http://schemas.openxmlformats.org/markup-compatibility/2006">
+              <mc:Choice xmlns:v="urn:schemas-microsoft-com:vml" Requires="v">
+                <p:oleObj spid="_x0000_s66563" name="Visio" r:id="rId3" imgW="6586557" imgH="9394768" progId="Visio.Drawing.11">
+                  <p:embed/>
+                </p:oleObj>
+              </mc:Choice>
+              <mc:Fallback>
+                <p:oleObj name="Visio" r:id="rId3" imgW="6586557" imgH="9394768" progId="Visio.Drawing.11">
+                  <p:embed/>
+                  <p:pic>
+                    <p:nvPicPr>
+                      <p:cNvPr id="0" name="Object 1"/>
+                      <p:cNvPicPr>
+                        <a:picLocks noChangeAspect="1" noChangeArrowheads="1"/>
+                      </p:cNvPicPr>
+                      <p:nvPr/>
+                    </p:nvPicPr>
+                    <p:blipFill>
+                      <a:blip r:embed="rId4">
+                        <a:extLst>
+                          <a:ext uri="{28A0092B-C50C-407E-A947-70E740481C1C}">
+                            <a14:useLocalDpi xmlns:a14="http://schemas.microsoft.com/office/drawing/2010/main" val="0"/>
+                          </a:ext>
+                        </a:extLst>
+                      </a:blip>
+                      <a:srcRect/>
+                      <a:stretch>
+                        <a:fillRect/>
+                      </a:stretch>
+                    </p:blipFill>
+                    <p:spPr bwMode="auto">
+                      <a:xfrm>
+                        <a:off x="1815151" y="0"/>
+                        <a:ext cx="4804013" cy="6854189"/>
+                      </a:xfrm>
+                      <a:prstGeom prst="rect">
+                        <a:avLst/>
+                      </a:prstGeom>
+                      <a:noFill/>
+                    </p:spPr>
+                  </p:pic>
+                </p:oleObj>
+              </mc:Fallback>
+            </mc:AlternateContent>
+          </a:graphicData>
+        </a:graphic>
+      </p:graphicFrame>
     </p:spTree>
     <p:extLst>
       <p:ext uri="{BB962C8B-B14F-4D97-AF65-F5344CB8AC3E}">
@@ -13515,9 +12769,6 @@
                     <p:cTn id="3" fill="hold">
                       <p:stCondLst>
                         <p:cond delay="indefinite"/>
-                        <p:cond evt="onBegin" delay="0">
-                          <p:tn val="2"/>
-                        </p:cond>
                       </p:stCondLst>
                       <p:childTnLst>
                         <p:par>
@@ -13527,7 +12778,7 @@
                             </p:stCondLst>
                             <p:childTnLst>
                               <p:par>
-                                <p:cTn id="5" presetID="6" presetClass="entr" presetSubtype="16" fill="hold" grpId="0" nodeType="afterEffect">
+                                <p:cTn id="5" presetID="6" presetClass="entr" presetSubtype="16" fill="hold" grpId="0" nodeType="clickEffect">
                                   <p:stCondLst>
                                     <p:cond delay="0"/>
                                   </p:stCondLst>
@@ -13904,41 +13155,6 @@
                                   </p:childTnLst>
                                 </p:cTn>
                               </p:par>
-                              <p:par>
-                                <p:cTn id="8" presetID="21" presetClass="entr" presetSubtype="1" fill="hold" nodeType="withEffect">
-                                  <p:stCondLst>
-                                    <p:cond delay="0"/>
-                                  </p:stCondLst>
-                                  <p:childTnLst>
-                                    <p:set>
-                                      <p:cBhvr>
-                                        <p:cTn id="9" dur="1" fill="hold">
-                                          <p:stCondLst>
-                                            <p:cond delay="0"/>
-                                          </p:stCondLst>
-                                        </p:cTn>
-                                        <p:tgtEl>
-                                          <p:spTgt spid="56322"/>
-                                        </p:tgtEl>
-                                        <p:attrNameLst>
-                                          <p:attrName>style.visibility</p:attrName>
-                                        </p:attrNameLst>
-                                      </p:cBhvr>
-                                      <p:to>
-                                        <p:strVal val="visible"/>
-                                      </p:to>
-                                    </p:set>
-                                    <p:animEffect transition="in" filter="wheel(1)">
-                                      <p:cBhvr>
-                                        <p:cTn id="10" dur="2000"/>
-                                        <p:tgtEl>
-                                          <p:spTgt spid="56322"/>
-                                        </p:tgtEl>
-                                      </p:cBhvr>
-                                    </p:animEffect>
-                                  </p:childTnLst>
-                                </p:cTn>
-                              </p:par>
                             </p:childTnLst>
                           </p:cTn>
                         </p:par>
@@ -14250,41 +13466,6 @@
                                   </p:childTnLst>
                                 </p:cTn>
                               </p:par>
-                              <p:par>
-                                <p:cTn id="8" presetID="14" presetClass="entr" presetSubtype="10" fill="hold" grpId="0" nodeType="withEffect">
-                                  <p:stCondLst>
-                                    <p:cond delay="0"/>
-                                  </p:stCondLst>
-                                  <p:childTnLst>
-                                    <p:set>
-                                      <p:cBhvr>
-                                        <p:cTn id="9" dur="1" fill="hold">
-                                          <p:stCondLst>
-                                            <p:cond delay="0"/>
-                                          </p:stCondLst>
-                                        </p:cTn>
-                                        <p:tgtEl>
-                                          <p:spTgt spid="7"/>
-                                        </p:tgtEl>
-                                        <p:attrNameLst>
-                                          <p:attrName>style.visibility</p:attrName>
-                                        </p:attrNameLst>
-                                      </p:cBhvr>
-                                      <p:to>
-                                        <p:strVal val="visible"/>
-                                      </p:to>
-                                    </p:set>
-                                    <p:animEffect transition="in" filter="randombar(horizontal)">
-                                      <p:cBhvr>
-                                        <p:cTn id="10" dur="500"/>
-                                        <p:tgtEl>
-                                          <p:spTgt spid="7"/>
-                                        </p:tgtEl>
-                                      </p:cBhvr>
-                                    </p:animEffect>
-                                  </p:childTnLst>
-                                </p:cTn>
-                              </p:par>
                             </p:childTnLst>
                           </p:cTn>
                         </p:par>
@@ -14314,7 +13495,6 @@
     </p:tnLst>
     <p:bldLst>
       <p:bldP spid="6" grpId="0"/>
-      <p:bldP spid="7" grpId="0"/>
     </p:bldLst>
   </p:timing>
 </p:sld>
@@ -15706,129 +14886,9 @@
   <p:timing>
     <p:tnLst>
       <p:par>
-        <p:cTn id="1" dur="indefinite" restart="never" nodeType="tmRoot">
-          <p:childTnLst>
-            <p:seq concurrent="1" nextAc="seek">
-              <p:cTn id="2" dur="indefinite" nodeType="mainSeq">
-                <p:childTnLst>
-                  <p:par>
-                    <p:cTn id="3" fill="hold">
-                      <p:stCondLst>
-                        <p:cond delay="indefinite"/>
-                        <p:cond evt="onBegin" delay="0">
-                          <p:tn val="2"/>
-                        </p:cond>
-                      </p:stCondLst>
-                      <p:childTnLst>
-                        <p:par>
-                          <p:cTn id="4" fill="hold">
-                            <p:stCondLst>
-                              <p:cond delay="0"/>
-                            </p:stCondLst>
-                            <p:childTnLst>
-                              <p:par>
-                                <p:cTn id="5" presetID="2" presetClass="entr" presetSubtype="4" fill="hold" grpId="0" nodeType="afterEffect">
-                                  <p:stCondLst>
-                                    <p:cond delay="0"/>
-                                  </p:stCondLst>
-                                  <p:childTnLst>
-                                    <p:set>
-                                      <p:cBhvr>
-                                        <p:cTn id="6" dur="1" fill="hold">
-                                          <p:stCondLst>
-                                            <p:cond delay="0"/>
-                                          </p:stCondLst>
-                                        </p:cTn>
-                                        <p:tgtEl>
-                                          <p:spTgt spid="5"/>
-                                        </p:tgtEl>
-                                        <p:attrNameLst>
-                                          <p:attrName>style.visibility</p:attrName>
-                                        </p:attrNameLst>
-                                      </p:cBhvr>
-                                      <p:to>
-                                        <p:strVal val="visible"/>
-                                      </p:to>
-                                    </p:set>
-                                    <p:anim calcmode="lin" valueType="num">
-                                      <p:cBhvr additive="base">
-                                        <p:cTn id="7" dur="500" fill="hold"/>
-                                        <p:tgtEl>
-                                          <p:spTgt spid="5"/>
-                                        </p:tgtEl>
-                                        <p:attrNameLst>
-                                          <p:attrName>ppt_x</p:attrName>
-                                        </p:attrNameLst>
-                                      </p:cBhvr>
-                                      <p:tavLst>
-                                        <p:tav tm="0">
-                                          <p:val>
-                                            <p:strVal val="#ppt_x"/>
-                                          </p:val>
-                                        </p:tav>
-                                        <p:tav tm="100000">
-                                          <p:val>
-                                            <p:strVal val="#ppt_x"/>
-                                          </p:val>
-                                        </p:tav>
-                                      </p:tavLst>
-                                    </p:anim>
-                                    <p:anim calcmode="lin" valueType="num">
-                                      <p:cBhvr additive="base">
-                                        <p:cTn id="8" dur="500" fill="hold"/>
-                                        <p:tgtEl>
-                                          <p:spTgt spid="5"/>
-                                        </p:tgtEl>
-                                        <p:attrNameLst>
-                                          <p:attrName>ppt_y</p:attrName>
-                                        </p:attrNameLst>
-                                      </p:cBhvr>
-                                      <p:tavLst>
-                                        <p:tav tm="0">
-                                          <p:val>
-                                            <p:strVal val="1+#ppt_h/2"/>
-                                          </p:val>
-                                        </p:tav>
-                                        <p:tav tm="100000">
-                                          <p:val>
-                                            <p:strVal val="#ppt_y"/>
-                                          </p:val>
-                                        </p:tav>
-                                      </p:tavLst>
-                                    </p:anim>
-                                  </p:childTnLst>
-                                </p:cTn>
-                              </p:par>
-                            </p:childTnLst>
-                          </p:cTn>
-                        </p:par>
-                      </p:childTnLst>
-                    </p:cTn>
-                  </p:par>
-                </p:childTnLst>
-              </p:cTn>
-              <p:prevCondLst>
-                <p:cond evt="onPrev" delay="0">
-                  <p:tgtEl>
-                    <p:sldTgt/>
-                  </p:tgtEl>
-                </p:cond>
-              </p:prevCondLst>
-              <p:nextCondLst>
-                <p:cond evt="onNext" delay="0">
-                  <p:tgtEl>
-                    <p:sldTgt/>
-                  </p:tgtEl>
-                </p:cond>
-              </p:nextCondLst>
-            </p:seq>
-          </p:childTnLst>
-        </p:cTn>
+        <p:cTn id="1" dur="indefinite" restart="never" nodeType="tmRoot"/>
       </p:par>
     </p:tnLst>
-    <p:bldLst>
-      <p:bldP spid="5" grpId="0"/>
-    </p:bldLst>
   </p:timing>
 </p:sld>
 </file>
@@ -15988,91 +15048,9 @@
   <p:timing>
     <p:tnLst>
       <p:par>
-        <p:cTn id="1" dur="indefinite" restart="never" nodeType="tmRoot">
-          <p:childTnLst>
-            <p:seq concurrent="1" nextAc="seek">
-              <p:cTn id="2" dur="indefinite" nodeType="mainSeq">
-                <p:childTnLst>
-                  <p:par>
-                    <p:cTn id="3" fill="hold">
-                      <p:stCondLst>
-                        <p:cond delay="indefinite"/>
-                        <p:cond evt="onBegin" delay="0">
-                          <p:tn val="2"/>
-                        </p:cond>
-                      </p:stCondLst>
-                      <p:childTnLst>
-                        <p:par>
-                          <p:cTn id="4" fill="hold">
-                            <p:stCondLst>
-                              <p:cond delay="0"/>
-                            </p:stCondLst>
-                            <p:childTnLst>
-                              <p:par>
-                                <p:cTn id="5" presetID="6" presetClass="entr" presetSubtype="16" fill="hold" grpId="0" nodeType="afterEffect">
-                                  <p:stCondLst>
-                                    <p:cond delay="0"/>
-                                  </p:stCondLst>
-                                  <p:childTnLst>
-                                    <p:set>
-                                      <p:cBhvr>
-                                        <p:cTn id="6" dur="1" fill="hold">
-                                          <p:stCondLst>
-                                            <p:cond delay="0"/>
-                                          </p:stCondLst>
-                                        </p:cTn>
-                                        <p:tgtEl>
-                                          <p:spTgt spid="4"/>
-                                        </p:tgtEl>
-                                        <p:attrNameLst>
-                                          <p:attrName>style.visibility</p:attrName>
-                                        </p:attrNameLst>
-                                      </p:cBhvr>
-                                      <p:to>
-                                        <p:strVal val="visible"/>
-                                      </p:to>
-                                    </p:set>
-                                    <p:animEffect transition="in" filter="circle(in)">
-                                      <p:cBhvr>
-                                        <p:cTn id="7" dur="1500"/>
-                                        <p:tgtEl>
-                                          <p:spTgt spid="4"/>
-                                        </p:tgtEl>
-                                      </p:cBhvr>
-                                    </p:animEffect>
-                                  </p:childTnLst>
-                                </p:cTn>
-                              </p:par>
-                            </p:childTnLst>
-                          </p:cTn>
-                        </p:par>
-                      </p:childTnLst>
-                    </p:cTn>
-                  </p:par>
-                </p:childTnLst>
-              </p:cTn>
-              <p:prevCondLst>
-                <p:cond evt="onPrev" delay="0">
-                  <p:tgtEl>
-                    <p:sldTgt/>
-                  </p:tgtEl>
-                </p:cond>
-              </p:prevCondLst>
-              <p:nextCondLst>
-                <p:cond evt="onNext" delay="0">
-                  <p:tgtEl>
-                    <p:sldTgt/>
-                  </p:tgtEl>
-                </p:cond>
-              </p:nextCondLst>
-            </p:seq>
-          </p:childTnLst>
-        </p:cTn>
+        <p:cTn id="1" dur="indefinite" restart="never" nodeType="tmRoot"/>
       </p:par>
     </p:tnLst>
-    <p:bldLst>
-      <p:bldP spid="4" grpId="0"/>
-    </p:bldLst>
   </p:timing>
 </p:sld>
 </file>
